--- a/Kolloquium Hendrik Park .pptx
+++ b/Kolloquium Hendrik Park .pptx
@@ -20,6 +20,8 @@
     <p:sldId id="265" r:id="rId17"/>
     <p:sldId id="266" r:id="rId18"/>
     <p:sldId id="267" r:id="rId19"/>
+    <p:sldId id="268" r:id="rId20"/>
+    <p:sldId id="269" r:id="rId21"/>
   </p:sldIdLst>
   <p:sldSz cx="24384000" cy="13716000"/>
   <p:notesSz cx="6858000" cy="9144000"/>
@@ -627,7 +629,7 @@
       </p:grpSpPr>
       <p:sp>
         <p:nvSpPr>
-          <p:cNvPr id="172" name="Shape 172"/>
+          <p:cNvPr id="178" name="Shape 178"/>
           <p:cNvSpPr/>
           <p:nvPr>
             <p:ph type="sldImg"/>
@@ -648,7 +650,7 @@
       </p:sp>
       <p:sp>
         <p:nvSpPr>
-          <p:cNvPr id="173" name="Shape 173"/>
+          <p:cNvPr id="179" name="Shape 179"/>
           <p:cNvSpPr/>
           <p:nvPr>
             <p:ph type="body" sz="quarter" idx="1"/>
@@ -727,7 +729,7 @@
       </p:grpSpPr>
       <p:sp>
         <p:nvSpPr>
-          <p:cNvPr id="178" name="Shape 178"/>
+          <p:cNvPr id="184" name="Shape 184"/>
           <p:cNvSpPr/>
           <p:nvPr>
             <p:ph type="sldImg"/>
@@ -748,7 +750,7 @@
       </p:sp>
       <p:sp>
         <p:nvSpPr>
-          <p:cNvPr id="179" name="Shape 179"/>
+          <p:cNvPr id="185" name="Shape 185"/>
           <p:cNvSpPr/>
           <p:nvPr>
             <p:ph type="body" sz="quarter" idx="1"/>
@@ -827,7 +829,7 @@
       </p:grpSpPr>
       <p:sp>
         <p:nvSpPr>
-          <p:cNvPr id="187" name="Shape 187"/>
+          <p:cNvPr id="193" name="Shape 193"/>
           <p:cNvSpPr/>
           <p:nvPr>
             <p:ph type="sldImg"/>
@@ -848,7 +850,7 @@
       </p:sp>
       <p:sp>
         <p:nvSpPr>
-          <p:cNvPr id="188" name="Shape 188"/>
+          <p:cNvPr id="194" name="Shape 194"/>
           <p:cNvSpPr/>
           <p:nvPr>
             <p:ph type="body" sz="quarter" idx="1"/>
@@ -921,7 +923,7 @@
       </p:grpSpPr>
       <p:sp>
         <p:nvSpPr>
-          <p:cNvPr id="193" name="Shape 193"/>
+          <p:cNvPr id="199" name="Shape 199"/>
           <p:cNvSpPr/>
           <p:nvPr>
             <p:ph type="sldImg"/>
@@ -942,7 +944,7 @@
       </p:sp>
       <p:sp>
         <p:nvSpPr>
-          <p:cNvPr id="194" name="Shape 194"/>
+          <p:cNvPr id="200" name="Shape 200"/>
           <p:cNvSpPr/>
           <p:nvPr>
             <p:ph type="body" sz="quarter" idx="1"/>
@@ -1030,7 +1032,7 @@
       </p:grpSpPr>
       <p:sp>
         <p:nvSpPr>
-          <p:cNvPr id="201" name="Shape 201"/>
+          <p:cNvPr id="207" name="Shape 207"/>
           <p:cNvSpPr/>
           <p:nvPr>
             <p:ph type="sldImg"/>
@@ -1051,7 +1053,7 @@
       </p:sp>
       <p:sp>
         <p:nvSpPr>
-          <p:cNvPr id="202" name="Shape 202"/>
+          <p:cNvPr id="208" name="Shape 208"/>
           <p:cNvSpPr/>
           <p:nvPr>
             <p:ph type="body" sz="quarter" idx="1"/>
@@ -1121,7 +1123,7 @@
       </p:grpSpPr>
       <p:sp>
         <p:nvSpPr>
-          <p:cNvPr id="227" name="Shape 227"/>
+          <p:cNvPr id="233" name="Shape 233"/>
           <p:cNvSpPr/>
           <p:nvPr>
             <p:ph type="sldImg"/>
@@ -1142,7 +1144,7 @@
       </p:sp>
       <p:sp>
         <p:nvSpPr>
-          <p:cNvPr id="228" name="Shape 228"/>
+          <p:cNvPr id="234" name="Shape 234"/>
           <p:cNvSpPr/>
           <p:nvPr>
             <p:ph type="body" sz="quarter" idx="1"/>
@@ -1227,7 +1229,7 @@
       </p:grpSpPr>
       <p:sp>
         <p:nvSpPr>
-          <p:cNvPr id="233" name="Shape 233"/>
+          <p:cNvPr id="239" name="Shape 239"/>
           <p:cNvSpPr/>
           <p:nvPr>
             <p:ph type="sldImg"/>
@@ -1248,7 +1250,7 @@
       </p:sp>
       <p:sp>
         <p:nvSpPr>
-          <p:cNvPr id="234" name="Shape 234"/>
+          <p:cNvPr id="240" name="Shape 240"/>
           <p:cNvSpPr/>
           <p:nvPr>
             <p:ph type="body" sz="quarter" idx="1"/>
@@ -1366,7 +1368,7 @@
       </p:grpSpPr>
       <p:sp>
         <p:nvSpPr>
-          <p:cNvPr id="243" name="Shape 243"/>
+          <p:cNvPr id="249" name="Shape 249"/>
           <p:cNvSpPr/>
           <p:nvPr>
             <p:ph type="sldImg"/>
@@ -1387,7 +1389,7 @@
       </p:sp>
       <p:sp>
         <p:nvSpPr>
-          <p:cNvPr id="244" name="Shape 244"/>
+          <p:cNvPr id="250" name="Shape 250"/>
           <p:cNvSpPr/>
           <p:nvPr>
             <p:ph type="body" sz="quarter" idx="1"/>
@@ -5834,7 +5836,786 @@
       </p:grpSpPr>
       <p:sp>
         <p:nvSpPr>
-          <p:cNvPr id="230" name="Beobachtungen zu den Audioszenen"/>
+          <p:cNvPr id="210" name="Probandenantworten zur Audioszene 2"/>
+          <p:cNvSpPr txBox="1"/>
+          <p:nvPr>
+            <p:ph type="title"/>
+          </p:nvPr>
+        </p:nvSpPr>
+        <p:spPr>
+          <a:xfrm>
+            <a:off x="4387453" y="499665"/>
+            <a:ext cx="15609094" cy="3036095"/>
+          </a:xfrm>
+          <a:prstGeom prst="rect">
+            <a:avLst/>
+          </a:prstGeom>
+        </p:spPr>
+        <p:txBody>
+          <a:bodyPr/>
+          <a:lstStyle>
+            <a:lvl1pPr>
+              <a:defRPr sz="8600"/>
+            </a:lvl1pPr>
+          </a:lstStyle>
+          <a:p>
+            <a:pPr/>
+            <a:r>
+              <a:t>Probandenantworten zur Audioszene 2</a:t>
+            </a:r>
+          </a:p>
+        </p:txBody>
+      </p:sp>
+      <p:sp>
+        <p:nvSpPr>
+          <p:cNvPr id="211" name="Foliennummer"/>
+          <p:cNvSpPr txBox="1"/>
+          <p:nvPr>
+            <p:ph type="sldNum" sz="quarter" idx="2"/>
+          </p:nvPr>
+        </p:nvSpPr>
+        <p:spPr>
+          <a:prstGeom prst="rect">
+            <a:avLst/>
+          </a:prstGeom>
+          <a:extLst>
+            <a:ext uri="{C572A759-6A51-4108-AA02-DFA0A04FC94B}">
+              <ma14:wrappingTextBoxFlag xmlns:ma14="http://schemas.microsoft.com/office/mac/drawingml/2011/main" val="1"/>
+            </a:ext>
+          </a:extLst>
+        </p:spPr>
+        <p:txBody>
+          <a:bodyPr/>
+          <a:lstStyle/>
+          <a:p>
+            <a:pPr/>
+            <a:fld id="{86CB4B4D-7CA3-9044-876B-883B54F8677D}" type="slidenum"/>
+          </a:p>
+        </p:txBody>
+      </p:sp>
+      <p:pic>
+        <p:nvPicPr>
+          <p:cNvPr id="212" name="Bild" descr="Bild"/>
+          <p:cNvPicPr>
+            <a:picLocks noChangeAspect="1"/>
+          </p:cNvPicPr>
+          <p:nvPr/>
+        </p:nvPicPr>
+        <p:blipFill>
+          <a:blip r:embed="rId3">
+            <a:extLst/>
+          </a:blip>
+          <a:stretch>
+            <a:fillRect/>
+          </a:stretch>
+        </p:blipFill>
+        <p:spPr>
+          <a:xfrm>
+            <a:off x="539671" y="4423610"/>
+            <a:ext cx="11457384" cy="6755083"/>
+          </a:xfrm>
+          <a:prstGeom prst="rect">
+            <a:avLst/>
+          </a:prstGeom>
+          <a:ln w="12700">
+            <a:miter lim="400000"/>
+          </a:ln>
+        </p:spPr>
+      </p:pic>
+      <p:sp>
+        <p:nvSpPr>
+          <p:cNvPr id="213" name="Rechteck"/>
+          <p:cNvSpPr/>
+          <p:nvPr/>
+        </p:nvSpPr>
+        <p:spPr>
+          <a:xfrm>
+            <a:off x="5390241" y="4385626"/>
+            <a:ext cx="2147250" cy="491351"/>
+          </a:xfrm>
+          <a:prstGeom prst="rect">
+            <a:avLst/>
+          </a:prstGeom>
+          <a:solidFill>
+            <a:srgbClr val="FFFFFF"/>
+          </a:solidFill>
+          <a:ln w="12700">
+            <a:miter lim="400000"/>
+          </a:ln>
+        </p:spPr>
+        <p:txBody>
+          <a:bodyPr lIns="71437" tIns="71437" rIns="71437" bIns="71437" anchor="ctr"/>
+          <a:lstStyle/>
+          <a:p>
+            <a:pPr>
+              <a:defRPr sz="3200"/>
+            </a:pPr>
+          </a:p>
+        </p:txBody>
+      </p:sp>
+      <p:sp>
+        <p:nvSpPr>
+          <p:cNvPr id="214" name="Rechteck"/>
+          <p:cNvSpPr/>
+          <p:nvPr/>
+        </p:nvSpPr>
+        <p:spPr>
+          <a:xfrm>
+            <a:off x="9684429" y="10595926"/>
+            <a:ext cx="2147249" cy="491351"/>
+          </a:xfrm>
+          <a:prstGeom prst="rect">
+            <a:avLst/>
+          </a:prstGeom>
+          <a:solidFill>
+            <a:srgbClr val="FFFFFF"/>
+          </a:solidFill>
+          <a:ln w="12700">
+            <a:miter lim="400000"/>
+          </a:ln>
+        </p:spPr>
+        <p:txBody>
+          <a:bodyPr lIns="71437" tIns="71437" rIns="71437" bIns="71437" anchor="ctr"/>
+          <a:lstStyle/>
+          <a:p>
+            <a:pPr>
+              <a:defRPr sz="3200"/>
+            </a:pPr>
+          </a:p>
+        </p:txBody>
+      </p:sp>
+      <p:sp>
+        <p:nvSpPr>
+          <p:cNvPr id="215" name="Rechteck"/>
+          <p:cNvSpPr/>
+          <p:nvPr/>
+        </p:nvSpPr>
+        <p:spPr>
+          <a:xfrm>
+            <a:off x="786491" y="10595926"/>
+            <a:ext cx="2147250" cy="491351"/>
+          </a:xfrm>
+          <a:prstGeom prst="rect">
+            <a:avLst/>
+          </a:prstGeom>
+          <a:solidFill>
+            <a:srgbClr val="FFFFFF"/>
+          </a:solidFill>
+          <a:ln w="12700">
+            <a:miter lim="400000"/>
+          </a:ln>
+        </p:spPr>
+        <p:txBody>
+          <a:bodyPr lIns="71437" tIns="71437" rIns="71437" bIns="71437" anchor="ctr"/>
+          <a:lstStyle/>
+          <a:p>
+            <a:pPr>
+              <a:defRPr sz="3200"/>
+            </a:pPr>
+          </a:p>
+        </p:txBody>
+      </p:sp>
+      <p:sp>
+        <p:nvSpPr>
+          <p:cNvPr id="216" name="realistisch"/>
+          <p:cNvSpPr txBox="1"/>
+          <p:nvPr/>
+        </p:nvSpPr>
+        <p:spPr>
+          <a:xfrm>
+            <a:off x="9890143" y="10569294"/>
+            <a:ext cx="2319072" cy="727076"/>
+          </a:xfrm>
+          <a:prstGeom prst="rect">
+            <a:avLst/>
+          </a:prstGeom>
+          <a:ln w="12700">
+            <a:miter lim="400000"/>
+          </a:ln>
+          <a:extLst>
+            <a:ext uri="{C572A759-6A51-4108-AA02-DFA0A04FC94B}">
+              <ma14:wrappingTextBoxFlag xmlns:ma14="http://schemas.microsoft.com/office/mac/drawingml/2011/main" val="1"/>
+            </a:ext>
+          </a:extLst>
+        </p:spPr>
+        <p:txBody>
+          <a:bodyPr wrap="none" lIns="71437" tIns="71437" rIns="71437" bIns="71437" anchor="ctr">
+            <a:spAutoFit/>
+          </a:bodyPr>
+          <a:lstStyle>
+            <a:lvl1pPr>
+              <a:defRPr sz="3800"/>
+            </a:lvl1pPr>
+          </a:lstStyle>
+          <a:p>
+            <a:pPr/>
+            <a:r>
+              <a:t>realistisch</a:t>
+            </a:r>
+          </a:p>
+        </p:txBody>
+      </p:sp>
+      <p:sp>
+        <p:nvSpPr>
+          <p:cNvPr id="217" name="unrealistisch"/>
+          <p:cNvSpPr txBox="1"/>
+          <p:nvPr/>
+        </p:nvSpPr>
+        <p:spPr>
+          <a:xfrm>
+            <a:off x="153968" y="10569294"/>
+            <a:ext cx="2855723" cy="727076"/>
+          </a:xfrm>
+          <a:prstGeom prst="rect">
+            <a:avLst/>
+          </a:prstGeom>
+          <a:ln w="12700">
+            <a:miter lim="400000"/>
+          </a:ln>
+          <a:extLst>
+            <a:ext uri="{C572A759-6A51-4108-AA02-DFA0A04FC94B}">
+              <ma14:wrappingTextBoxFlag xmlns:ma14="http://schemas.microsoft.com/office/mac/drawingml/2011/main" val="1"/>
+            </a:ext>
+          </a:extLst>
+        </p:spPr>
+        <p:txBody>
+          <a:bodyPr wrap="none" lIns="71437" tIns="71437" rIns="71437" bIns="71437" anchor="ctr">
+            <a:spAutoFit/>
+          </a:bodyPr>
+          <a:lstStyle>
+            <a:lvl1pPr>
+              <a:defRPr sz="3800"/>
+            </a:lvl1pPr>
+          </a:lstStyle>
+          <a:p>
+            <a:pPr/>
+            <a:r>
+              <a:t>unrealistisch</a:t>
+            </a:r>
+          </a:p>
+        </p:txBody>
+      </p:sp>
+      <p:sp>
+        <p:nvSpPr>
+          <p:cNvPr id="218" name="Wie realistisch wirkt das Geräusch?"/>
+          <p:cNvSpPr txBox="1"/>
+          <p:nvPr/>
+        </p:nvSpPr>
+        <p:spPr>
+          <a:xfrm>
+            <a:off x="2488359" y="4257405"/>
+            <a:ext cx="7951014" cy="727076"/>
+          </a:xfrm>
+          <a:prstGeom prst="rect">
+            <a:avLst/>
+          </a:prstGeom>
+          <a:ln w="12700">
+            <a:miter lim="400000"/>
+          </a:ln>
+          <a:extLst>
+            <a:ext uri="{C572A759-6A51-4108-AA02-DFA0A04FC94B}">
+              <ma14:wrappingTextBoxFlag xmlns:ma14="http://schemas.microsoft.com/office/mac/drawingml/2011/main" val="1"/>
+            </a:ext>
+          </a:extLst>
+        </p:spPr>
+        <p:txBody>
+          <a:bodyPr wrap="none" lIns="71437" tIns="71437" rIns="71437" bIns="71437" anchor="ctr">
+            <a:spAutoFit/>
+          </a:bodyPr>
+          <a:lstStyle>
+            <a:lvl1pPr>
+              <a:defRPr sz="3800"/>
+            </a:lvl1pPr>
+          </a:lstStyle>
+          <a:p>
+            <a:pPr/>
+            <a:r>
+              <a:t>Wie realistisch wirkt das Geräusch? </a:t>
+            </a:r>
+          </a:p>
+        </p:txBody>
+      </p:sp>
+      <p:grpSp>
+        <p:nvGrpSpPr>
+          <p:cNvPr id="228" name="Gruppieren"/>
+          <p:cNvGrpSpPr/>
+          <p:nvPr/>
+        </p:nvGrpSpPr>
+        <p:grpSpPr>
+          <a:xfrm>
+            <a:off x="12383744" y="4114641"/>
+            <a:ext cx="11846288" cy="7186371"/>
+            <a:chOff x="0" y="0"/>
+            <a:chExt cx="11846286" cy="7186370"/>
+          </a:xfrm>
+        </p:grpSpPr>
+        <p:grpSp>
+          <p:nvGrpSpPr>
+            <p:cNvPr id="224" name="Gruppieren"/>
+            <p:cNvGrpSpPr/>
+            <p:nvPr/>
+          </p:nvGrpSpPr>
+          <p:grpSpPr>
+            <a:xfrm>
+              <a:off x="0" y="0"/>
+              <a:ext cx="11544718" cy="7186371"/>
+              <a:chOff x="0" y="0"/>
+              <a:chExt cx="11544717" cy="7186370"/>
+            </a:xfrm>
+          </p:grpSpPr>
+          <p:grpSp>
+            <p:nvGrpSpPr>
+              <p:cNvPr id="222" name="Gruppieren"/>
+              <p:cNvGrpSpPr/>
+              <p:nvPr/>
+            </p:nvGrpSpPr>
+            <p:grpSpPr>
+              <a:xfrm>
+                <a:off x="0" y="227998"/>
+                <a:ext cx="11544718" cy="6958373"/>
+                <a:chOff x="0" y="0"/>
+                <a:chExt cx="11544717" cy="6958372"/>
+              </a:xfrm>
+            </p:grpSpPr>
+            <p:pic>
+              <p:nvPicPr>
+                <p:cNvPr id="219" name="Bild" descr="Bild"/>
+                <p:cNvPicPr>
+                  <a:picLocks noChangeAspect="1"/>
+                </p:cNvPicPr>
+                <p:nvPr/>
+              </p:nvPicPr>
+              <p:blipFill>
+                <a:blip r:embed="rId4">
+                  <a:extLst/>
+                </a:blip>
+                <a:stretch>
+                  <a:fillRect/>
+                </a:stretch>
+              </p:blipFill>
+              <p:spPr>
+                <a:xfrm>
+                  <a:off x="0" y="0"/>
+                  <a:ext cx="11544718" cy="6806574"/>
+                </a:xfrm>
+                <a:prstGeom prst="rect">
+                  <a:avLst/>
+                </a:prstGeom>
+                <a:ln w="12700" cap="flat">
+                  <a:noFill/>
+                  <a:miter lim="400000"/>
+                </a:ln>
+                <a:effectLst/>
+              </p:spPr>
+            </p:pic>
+            <p:sp>
+              <p:nvSpPr>
+                <p:cNvPr id="220" name="Rechteck"/>
+                <p:cNvSpPr/>
+                <p:nvPr/>
+              </p:nvSpPr>
+              <p:spPr>
+                <a:xfrm>
+                  <a:off x="345509" y="6222014"/>
+                  <a:ext cx="2303984" cy="736359"/>
+                </a:xfrm>
+                <a:prstGeom prst="rect">
+                  <a:avLst/>
+                </a:prstGeom>
+                <a:solidFill>
+                  <a:srgbClr val="FFFFFF"/>
+                </a:solidFill>
+                <a:ln w="12700" cap="flat">
+                  <a:noFill/>
+                  <a:miter lim="400000"/>
+                </a:ln>
+                <a:effectLst/>
+              </p:spPr>
+              <p:txBody>
+                <a:bodyPr wrap="square" lIns="71437" tIns="71437" rIns="71437" bIns="71437" numCol="1" anchor="ctr">
+                  <a:noAutofit/>
+                </a:bodyPr>
+                <a:lstStyle/>
+                <a:p>
+                  <a:pPr>
+                    <a:defRPr sz="3200"/>
+                  </a:pPr>
+                </a:p>
+              </p:txBody>
+            </p:sp>
+            <p:sp>
+              <p:nvSpPr>
+                <p:cNvPr id="221" name="Rechteck"/>
+                <p:cNvSpPr/>
+                <p:nvPr/>
+              </p:nvSpPr>
+              <p:spPr>
+                <a:xfrm>
+                  <a:off x="9211696" y="6222014"/>
+                  <a:ext cx="2303985" cy="736359"/>
+                </a:xfrm>
+                <a:prstGeom prst="rect">
+                  <a:avLst/>
+                </a:prstGeom>
+                <a:solidFill>
+                  <a:srgbClr val="FFFFFF"/>
+                </a:solidFill>
+                <a:ln w="12700" cap="flat">
+                  <a:noFill/>
+                  <a:miter lim="400000"/>
+                </a:ln>
+                <a:effectLst/>
+              </p:spPr>
+              <p:txBody>
+                <a:bodyPr wrap="square" lIns="71437" tIns="71437" rIns="71437" bIns="71437" numCol="1" anchor="ctr">
+                  <a:noAutofit/>
+                </a:bodyPr>
+                <a:lstStyle/>
+                <a:p>
+                  <a:pPr>
+                    <a:defRPr sz="3200"/>
+                  </a:pPr>
+                </a:p>
+              </p:txBody>
+            </p:sp>
+          </p:grpSp>
+          <p:sp>
+            <p:nvSpPr>
+              <p:cNvPr id="223" name="Rechteck"/>
+              <p:cNvSpPr/>
+              <p:nvPr/>
+            </p:nvSpPr>
+            <p:spPr>
+              <a:xfrm>
+                <a:off x="4620367" y="0"/>
+                <a:ext cx="2620170" cy="736359"/>
+              </a:xfrm>
+              <a:prstGeom prst="rect">
+                <a:avLst/>
+              </a:prstGeom>
+              <a:solidFill>
+                <a:srgbClr val="FFFFFF"/>
+              </a:solidFill>
+              <a:ln w="12700" cap="flat">
+                <a:noFill/>
+                <a:miter lim="400000"/>
+              </a:ln>
+              <a:effectLst/>
+            </p:spPr>
+            <p:txBody>
+              <a:bodyPr wrap="square" lIns="71437" tIns="71437" rIns="71437" bIns="71437" numCol="1" anchor="ctr">
+                <a:noAutofit/>
+              </a:bodyPr>
+              <a:lstStyle/>
+              <a:p>
+                <a:pPr>
+                  <a:defRPr sz="3200"/>
+                </a:pPr>
+              </a:p>
+            </p:txBody>
+          </p:sp>
+        </p:grpSp>
+        <p:sp>
+          <p:nvSpPr>
+            <p:cNvPr id="225" name="Wie unheimlich wirkt die Darbietung?"/>
+            <p:cNvSpPr txBox="1"/>
+            <p:nvPr/>
+          </p:nvSpPr>
+          <p:spPr>
+            <a:xfrm>
+              <a:off x="1631803" y="80841"/>
+              <a:ext cx="8281113" cy="727076"/>
+            </a:xfrm>
+            <a:prstGeom prst="rect">
+              <a:avLst/>
+            </a:prstGeom>
+            <a:noFill/>
+            <a:ln w="12700" cap="flat">
+              <a:noFill/>
+              <a:miter lim="400000"/>
+            </a:ln>
+            <a:effectLst/>
+            <a:extLst>
+              <a:ext uri="{C572A759-6A51-4108-AA02-DFA0A04FC94B}">
+                <ma14:wrappingTextBoxFlag xmlns:ma14="http://schemas.microsoft.com/office/mac/drawingml/2011/main" val="1"/>
+              </a:ext>
+            </a:extLst>
+          </p:spPr>
+          <p:txBody>
+            <a:bodyPr wrap="none" lIns="71437" tIns="71437" rIns="71437" bIns="71437" numCol="1" anchor="ctr">
+              <a:spAutoFit/>
+            </a:bodyPr>
+            <a:lstStyle>
+              <a:lvl1pPr>
+                <a:defRPr sz="3800"/>
+              </a:lvl1pPr>
+            </a:lstStyle>
+            <a:p>
+              <a:pPr/>
+              <a:r>
+                <a:t>Wie unheimlich wirkt die Darbietung? </a:t>
+              </a:r>
+            </a:p>
+          </p:txBody>
+        </p:sp>
+        <p:sp>
+          <p:nvSpPr>
+            <p:cNvPr id="226" name="unheimlich"/>
+            <p:cNvSpPr txBox="1"/>
+            <p:nvPr/>
+          </p:nvSpPr>
+          <p:spPr>
+            <a:xfrm>
+              <a:off x="9357340" y="6454654"/>
+              <a:ext cx="2488947" cy="727076"/>
+            </a:xfrm>
+            <a:prstGeom prst="rect">
+              <a:avLst/>
+            </a:prstGeom>
+            <a:noFill/>
+            <a:ln w="12700" cap="flat">
+              <a:noFill/>
+              <a:miter lim="400000"/>
+            </a:ln>
+            <a:effectLst/>
+            <a:extLst>
+              <a:ext uri="{C572A759-6A51-4108-AA02-DFA0A04FC94B}">
+                <ma14:wrappingTextBoxFlag xmlns:ma14="http://schemas.microsoft.com/office/mac/drawingml/2011/main" val="1"/>
+              </a:ext>
+            </a:extLst>
+          </p:spPr>
+          <p:txBody>
+            <a:bodyPr wrap="none" lIns="71437" tIns="71437" rIns="71437" bIns="71437" numCol="1" anchor="ctr">
+              <a:spAutoFit/>
+            </a:bodyPr>
+            <a:lstStyle>
+              <a:lvl1pPr>
+                <a:defRPr sz="3800"/>
+              </a:lvl1pPr>
+            </a:lstStyle>
+            <a:p>
+              <a:pPr/>
+              <a:r>
+                <a:t>unheimlich</a:t>
+              </a:r>
+            </a:p>
+          </p:txBody>
+        </p:sp>
+        <p:sp>
+          <p:nvSpPr>
+            <p:cNvPr id="227" name="angenehm"/>
+            <p:cNvSpPr txBox="1"/>
+            <p:nvPr/>
+          </p:nvSpPr>
+          <p:spPr>
+            <a:xfrm>
+              <a:off x="353611" y="6454654"/>
+              <a:ext cx="2462404" cy="727076"/>
+            </a:xfrm>
+            <a:prstGeom prst="rect">
+              <a:avLst/>
+            </a:prstGeom>
+            <a:noFill/>
+            <a:ln w="12700" cap="flat">
+              <a:noFill/>
+              <a:miter lim="400000"/>
+            </a:ln>
+            <a:effectLst/>
+            <a:extLst>
+              <a:ext uri="{C572A759-6A51-4108-AA02-DFA0A04FC94B}">
+                <ma14:wrappingTextBoxFlag xmlns:ma14="http://schemas.microsoft.com/office/mac/drawingml/2011/main" val="1"/>
+              </a:ext>
+            </a:extLst>
+          </p:spPr>
+          <p:txBody>
+            <a:bodyPr wrap="none" lIns="71437" tIns="71437" rIns="71437" bIns="71437" numCol="1" anchor="ctr">
+              <a:spAutoFit/>
+            </a:bodyPr>
+            <a:lstStyle>
+              <a:lvl1pPr>
+                <a:defRPr sz="3800"/>
+              </a:lvl1pPr>
+            </a:lstStyle>
+            <a:p>
+              <a:pPr/>
+              <a:r>
+                <a:t>angenehm</a:t>
+              </a:r>
+            </a:p>
+          </p:txBody>
+        </p:sp>
+      </p:grpSp>
+      <p:sp>
+        <p:nvSpPr>
+          <p:cNvPr id="229" name="absolute Häufigkeit"/>
+          <p:cNvSpPr txBox="1"/>
+          <p:nvPr/>
+        </p:nvSpPr>
+        <p:spPr>
+          <a:xfrm rot="16200000">
+            <a:off x="11361952" y="7037368"/>
+            <a:ext cx="3875102" cy="663576"/>
+          </a:xfrm>
+          <a:prstGeom prst="rect">
+            <a:avLst/>
+          </a:prstGeom>
+          <a:ln w="12700">
+            <a:miter lim="400000"/>
+          </a:ln>
+          <a:extLst>
+            <a:ext uri="{C572A759-6A51-4108-AA02-DFA0A04FC94B}">
+              <ma14:wrappingTextBoxFlag xmlns:ma14="http://schemas.microsoft.com/office/mac/drawingml/2011/main" val="1"/>
+            </a:ext>
+          </a:extLst>
+        </p:spPr>
+        <p:txBody>
+          <a:bodyPr wrap="none" lIns="71437" tIns="71437" rIns="71437" bIns="71437" anchor="ctr">
+            <a:spAutoFit/>
+          </a:bodyPr>
+          <a:lstStyle>
+            <a:lvl1pPr>
+              <a:defRPr sz="3400"/>
+            </a:lvl1pPr>
+          </a:lstStyle>
+          <a:p>
+            <a:pPr/>
+            <a:r>
+              <a:t>absolute Häufigkeit</a:t>
+            </a:r>
+          </a:p>
+        </p:txBody>
+      </p:sp>
+      <p:sp>
+        <p:nvSpPr>
+          <p:cNvPr id="230" name="absolute Häufigkeit"/>
+          <p:cNvSpPr txBox="1"/>
+          <p:nvPr/>
+        </p:nvSpPr>
+        <p:spPr>
+          <a:xfrm rot="16200000">
+            <a:off x="-494799" y="7363338"/>
+            <a:ext cx="3875101" cy="663576"/>
+          </a:xfrm>
+          <a:prstGeom prst="rect">
+            <a:avLst/>
+          </a:prstGeom>
+          <a:ln w="12700">
+            <a:miter lim="400000"/>
+          </a:ln>
+          <a:extLst>
+            <a:ext uri="{C572A759-6A51-4108-AA02-DFA0A04FC94B}">
+              <ma14:wrappingTextBoxFlag xmlns:ma14="http://schemas.microsoft.com/office/mac/drawingml/2011/main" val="1"/>
+            </a:ext>
+          </a:extLst>
+        </p:spPr>
+        <p:txBody>
+          <a:bodyPr wrap="none" lIns="71437" tIns="71437" rIns="71437" bIns="71437" anchor="ctr">
+            <a:spAutoFit/>
+          </a:bodyPr>
+          <a:lstStyle>
+            <a:lvl1pPr>
+              <a:defRPr sz="3400"/>
+            </a:lvl1pPr>
+          </a:lstStyle>
+          <a:p>
+            <a:pPr/>
+            <a:r>
+              <a:t>absolute Häufigkeit</a:t>
+            </a:r>
+          </a:p>
+        </p:txBody>
+      </p:sp>
+      <p:sp>
+        <p:nvSpPr>
+          <p:cNvPr id="231" name="Rechteck"/>
+          <p:cNvSpPr/>
+          <p:nvPr/>
+        </p:nvSpPr>
+        <p:spPr>
+          <a:xfrm>
+            <a:off x="13607499" y="5343786"/>
+            <a:ext cx="259560" cy="4050739"/>
+          </a:xfrm>
+          <a:prstGeom prst="rect">
+            <a:avLst/>
+          </a:prstGeom>
+          <a:solidFill>
+            <a:srgbClr val="FFFFFF"/>
+          </a:solidFill>
+          <a:ln w="12700">
+            <a:miter lim="400000"/>
+          </a:ln>
+        </p:spPr>
+        <p:txBody>
+          <a:bodyPr lIns="71437" tIns="71437" rIns="71437" bIns="71437" anchor="ctr"/>
+          <a:lstStyle/>
+          <a:p>
+            <a:pPr>
+              <a:defRPr sz="3200"/>
+            </a:pPr>
+          </a:p>
+        </p:txBody>
+      </p:sp>
+      <p:sp>
+        <p:nvSpPr>
+          <p:cNvPr id="232" name="Rechteck"/>
+          <p:cNvSpPr/>
+          <p:nvPr/>
+        </p:nvSpPr>
+        <p:spPr>
+          <a:xfrm>
+            <a:off x="1665555" y="5343786"/>
+            <a:ext cx="259560" cy="4050739"/>
+          </a:xfrm>
+          <a:prstGeom prst="rect">
+            <a:avLst/>
+          </a:prstGeom>
+          <a:solidFill>
+            <a:srgbClr val="FFFFFF"/>
+          </a:solidFill>
+          <a:ln w="12700">
+            <a:miter lim="400000"/>
+          </a:ln>
+        </p:spPr>
+        <p:txBody>
+          <a:bodyPr lIns="71437" tIns="71437" rIns="71437" bIns="71437" anchor="ctr"/>
+          <a:lstStyle/>
+          <a:p>
+            <a:pPr>
+              <a:defRPr sz="3200"/>
+            </a:pPr>
+          </a:p>
+        </p:txBody>
+      </p:sp>
+    </p:spTree>
+  </p:cSld>
+  <p:clrMapOvr>
+    <a:masterClrMapping/>
+  </p:clrMapOvr>
+  <p:transition xmlns:p14="http://schemas.microsoft.com/office/powerpoint/2010/main" spd="med" advClick="1"/>
+</p:sld>
+</file>
+
+<file path=ppt/slides/slide11.xml><?xml version="1.0" encoding="utf-8"?>
+<p:sld xmlns:a="http://schemas.openxmlformats.org/drawingml/2006/main" xmlns:r="http://schemas.openxmlformats.org/officeDocument/2006/relationships" xmlns:p="http://schemas.openxmlformats.org/presentationml/2006/main" xmlns:m="http://schemas.openxmlformats.org/officeDocument/2006/math" xmlns:a14="http://schemas.microsoft.com/office/drawing/2010/main" showMasterSp="1" showMasterPhAnim="1">
+  <p:cSld>
+    <p:spTree>
+      <p:nvGrpSpPr>
+        <p:cNvPr id="1" name=""/>
+        <p:cNvGrpSpPr/>
+        <p:nvPr/>
+      </p:nvGrpSpPr>
+      <p:grpSpPr>
+        <a:xfrm>
+          <a:off x="0" y="0"/>
+          <a:ext cx="0" cy="0"/>
+          <a:chOff x="0" y="0"/>
+          <a:chExt cx="0" cy="0"/>
+        </a:xfrm>
+      </p:grpSpPr>
+      <p:sp>
+        <p:nvSpPr>
+          <p:cNvPr id="236" name="Beobachtungen zu den Audioszenen"/>
           <p:cNvSpPr txBox="1"/>
           <p:nvPr>
             <p:ph type="title"/>
@@ -5862,7 +6643,7 @@
       </p:sp>
       <p:sp>
         <p:nvSpPr>
-          <p:cNvPr id="231" name="Foliennummer"/>
+          <p:cNvPr id="237" name="Foliennummer"/>
           <p:cNvSpPr txBox="1"/>
           <p:nvPr>
             <p:ph type="sldNum" sz="quarter" idx="2"/>
@@ -5889,7 +6670,7 @@
       </p:sp>
       <p:graphicFrame>
         <p:nvGraphicFramePr>
-          <p:cNvPr id="232" name="Tabelle"/>
+          <p:cNvPr id="238" name="Tabelle"/>
           <p:cNvGraphicFramePr/>
           <p:nvPr/>
         </p:nvGraphicFramePr>
@@ -6487,14 +7268,15 @@
                         <a:defRPr sz="1800"/>
                       </a:pPr>
                       <a:r>
-                        <a:rPr sz="3000">
+                        <a:rPr sz="2600">
                           <a:latin typeface="Helvetica"/>
                           <a:ea typeface="Helvetica"/>
                           <a:cs typeface="Helvetica"/>
                           <a:sym typeface="Helvetica"/>
                         </a:rPr>
                         <a:t>Plausible Wiedergabe
-Unheimliche Darbietung</a:t>
+Unheimliche Darbietung
+Lokalisation bei näherer Schallquelle</a:t>
                       </a:r>
                     </a:p>
                   </a:txBody>
@@ -6505,361 +7287,6 @@
           </a:graphicData>
         </a:graphic>
       </p:graphicFrame>
-    </p:spTree>
-  </p:cSld>
-  <p:clrMapOvr>
-    <a:masterClrMapping/>
-  </p:clrMapOvr>
-  <p:transition xmlns:p14="http://schemas.microsoft.com/office/powerpoint/2010/main" spd="med" advClick="1"/>
-</p:sld>
-</file>
-
-<file path=ppt/slides/slide11.xml><?xml version="1.0" encoding="utf-8"?>
-<p:sld xmlns:a="http://schemas.openxmlformats.org/drawingml/2006/main" xmlns:r="http://schemas.openxmlformats.org/officeDocument/2006/relationships" xmlns:p="http://schemas.openxmlformats.org/presentationml/2006/main" xmlns:m="http://schemas.openxmlformats.org/officeDocument/2006/math" xmlns:a14="http://schemas.microsoft.com/office/drawing/2010/main" showMasterSp="1" showMasterPhAnim="1">
-  <p:cSld>
-    <p:spTree>
-      <p:nvGrpSpPr>
-        <p:cNvPr id="1" name=""/>
-        <p:cNvGrpSpPr/>
-        <p:nvPr/>
-      </p:nvGrpSpPr>
-      <p:grpSpPr>
-        <a:xfrm>
-          <a:off x="0" y="0"/>
-          <a:ext cx="0" cy="0"/>
-          <a:chOff x="0" y="0"/>
-          <a:chExt cx="0" cy="0"/>
-        </a:xfrm>
-      </p:grpSpPr>
-      <p:sp>
-        <p:nvSpPr>
-          <p:cNvPr id="236" name="Erkenntnisse des Hörversuchs"/>
-          <p:cNvSpPr txBox="1"/>
-          <p:nvPr>
-            <p:ph type="title"/>
-          </p:nvPr>
-        </p:nvSpPr>
-        <p:spPr>
-          <a:prstGeom prst="rect">
-            <a:avLst/>
-          </a:prstGeom>
-        </p:spPr>
-        <p:txBody>
-          <a:bodyPr/>
-          <a:lstStyle>
-            <a:lvl1pPr>
-              <a:defRPr sz="8300"/>
-            </a:lvl1pPr>
-          </a:lstStyle>
-          <a:p>
-            <a:pPr/>
-            <a:r>
-              <a:t>Erkenntnisse des Hörversuchs</a:t>
-            </a:r>
-          </a:p>
-        </p:txBody>
-      </p:sp>
-      <p:sp>
-        <p:nvSpPr>
-          <p:cNvPr id="237" name="Inhaltlicher Kontext und Visuelles war relevanter zur Lokalisation als die Akustik…"/>
-          <p:cNvSpPr txBox="1"/>
-          <p:nvPr>
-            <p:ph type="body" idx="1"/>
-          </p:nvPr>
-        </p:nvSpPr>
-        <p:spPr>
-          <a:prstGeom prst="rect">
-            <a:avLst/>
-          </a:prstGeom>
-        </p:spPr>
-        <p:txBody>
-          <a:bodyPr/>
-          <a:lstStyle/>
-          <a:p>
-            <a:pPr marL="417829" indent="-417829" defTabSz="549148">
-              <a:spcBef>
-                <a:spcPts val="3900"/>
-              </a:spcBef>
-              <a:buSzPct val="145000"/>
-              <a:defRPr sz="4230"/>
-            </a:pPr>
-            <a:r>
-              <a:t>Inhaltlicher Kontext und Visuelles war relevanter zur Lokalisation als die Akustik</a:t>
-            </a:r>
-          </a:p>
-          <a:p>
-            <a:pPr marL="417829" indent="-417829" defTabSz="549148">
-              <a:spcBef>
-                <a:spcPts val="3900"/>
-              </a:spcBef>
-              <a:buSzPct val="145000"/>
-              <a:defRPr sz="4230"/>
-            </a:pPr>
-            <a:r>
-              <a:t>Lokalisation war recht ungenau und variierte vor allem in der Horizontalebene</a:t>
-            </a:r>
-          </a:p>
-          <a:p>
-            <a:pPr marL="0" indent="0" defTabSz="549148">
-              <a:spcBef>
-                <a:spcPts val="3900"/>
-              </a:spcBef>
-              <a:buSzTx/>
-              <a:buNone/>
-              <a:defRPr sz="4230"/>
-            </a:pPr>
-            <a:r>
-              <a:t> </a:t>
-            </a:r>
-          </a:p>
-          <a:p>
-            <a:pPr marL="417829" indent="-417829" defTabSz="549148">
-              <a:spcBef>
-                <a:spcPts val="3900"/>
-              </a:spcBef>
-              <a:buSzPct val="145000"/>
-              <a:defRPr sz="4230"/>
-            </a:pPr>
-          </a:p>
-          <a:p>
-            <a:pPr marL="417829" indent="-417829" defTabSz="549148">
-              <a:spcBef>
-                <a:spcPts val="3900"/>
-              </a:spcBef>
-              <a:buSzPct val="145000"/>
-              <a:defRPr sz="4230"/>
-            </a:pPr>
-            <a:r>
-              <a:t>räumliche Audiowiedergabe wurde als sehr plausibel und realistisch wahrgenommen</a:t>
-            </a:r>
-          </a:p>
-          <a:p>
-            <a:pPr marL="417829" indent="-417829" defTabSz="549148">
-              <a:spcBef>
-                <a:spcPts val="3900"/>
-              </a:spcBef>
-              <a:buSzPct val="145000"/>
-              <a:defRPr sz="4230"/>
-            </a:pPr>
-            <a:r>
-              <a:t>je realistischer die räumliche Audiowiedergabe wahrgenommen wurde, desto unheimlicher wurde die Darbietung auch bewertet</a:t>
-            </a:r>
-          </a:p>
-        </p:txBody>
-      </p:sp>
-      <p:sp>
-        <p:nvSpPr>
-          <p:cNvPr id="238" name="Foliennummer"/>
-          <p:cNvSpPr txBox="1"/>
-          <p:nvPr>
-            <p:ph type="sldNum" sz="quarter" idx="2"/>
-          </p:nvPr>
-        </p:nvSpPr>
-        <p:spPr>
-          <a:prstGeom prst="rect">
-            <a:avLst/>
-          </a:prstGeom>
-          <a:extLst>
-            <a:ext uri="{C572A759-6A51-4108-AA02-DFA0A04FC94B}">
-              <ma14:wrappingTextBoxFlag xmlns:ma14="http://schemas.microsoft.com/office/mac/drawingml/2011/main" val="1"/>
-            </a:ext>
-          </a:extLst>
-        </p:spPr>
-        <p:txBody>
-          <a:bodyPr/>
-          <a:lstStyle/>
-          <a:p>
-            <a:pPr/>
-            <a:fld id="{86CB4B4D-7CA3-9044-876B-883B54F8677D}" type="slidenum"/>
-          </a:p>
-        </p:txBody>
-      </p:sp>
-      <p:sp>
-        <p:nvSpPr>
-          <p:cNvPr id="239" name="Pfeil"/>
-          <p:cNvSpPr/>
-          <p:nvPr/>
-        </p:nvSpPr>
-        <p:spPr>
-          <a:xfrm>
-            <a:off x="2747119" y="5902036"/>
-            <a:ext cx="483444" cy="342522"/>
-          </a:xfrm>
-          <a:prstGeom prst="rightArrow">
-            <a:avLst>
-              <a:gd name="adj1" fmla="val 32000"/>
-              <a:gd name="adj2" fmla="val 90331"/>
-            </a:avLst>
-          </a:prstGeom>
-          <a:solidFill>
-            <a:srgbClr val="000000"/>
-          </a:solidFill>
-          <a:ln w="25400">
-            <a:solidFill>
-              <a:srgbClr val="85888D"/>
-            </a:solidFill>
-            <a:miter lim="400000"/>
-          </a:ln>
-        </p:spPr>
-        <p:txBody>
-          <a:bodyPr lIns="71437" tIns="71437" rIns="71437" bIns="71437" anchor="ctr"/>
-          <a:lstStyle/>
-          <a:p>
-            <a:pPr>
-              <a:defRPr sz="3200"/>
-            </a:pPr>
-          </a:p>
-        </p:txBody>
-      </p:sp>
-      <p:sp>
-        <p:nvSpPr>
-          <p:cNvPr id="240" name="Räumliche Audio-Wiedergabe sollte, wenn die genaue Lokalisation wichtig ist,…"/>
-          <p:cNvSpPr txBox="1"/>
-          <p:nvPr/>
-        </p:nvSpPr>
-        <p:spPr>
-          <a:xfrm>
-            <a:off x="4034240" y="5577997"/>
-            <a:ext cx="20011015" cy="1514476"/>
-          </a:xfrm>
-          <a:prstGeom prst="rect">
-            <a:avLst/>
-          </a:prstGeom>
-          <a:ln w="12700">
-            <a:miter lim="400000"/>
-          </a:ln>
-          <a:extLst>
-            <a:ext uri="{C572A759-6A51-4108-AA02-DFA0A04FC94B}">
-              <ma14:wrappingTextBoxFlag xmlns:ma14="http://schemas.microsoft.com/office/mac/drawingml/2011/main" val="1"/>
-            </a:ext>
-          </a:extLst>
-        </p:spPr>
-        <p:txBody>
-          <a:bodyPr wrap="none" lIns="71437" tIns="71437" rIns="71437" bIns="71437" anchor="ctr">
-            <a:spAutoFit/>
-          </a:bodyPr>
-          <a:lstStyle/>
-          <a:p>
-            <a:pPr algn="l">
-              <a:defRPr sz="4500">
-                <a:latin typeface="Helvetica"/>
-                <a:ea typeface="Helvetica"/>
-                <a:cs typeface="Helvetica"/>
-                <a:sym typeface="Helvetica"/>
-              </a:defRPr>
-            </a:pPr>
-            <a:r>
-              <a:t>Räumliche Audio-Wiedergabe sollte, wenn die genaue Lokalisation wichtig ist,</a:t>
-            </a:r>
-          </a:p>
-          <a:p>
-            <a:pPr algn="l">
-              <a:defRPr sz="4500">
-                <a:latin typeface="Helvetica"/>
-                <a:ea typeface="Helvetica"/>
-                <a:cs typeface="Helvetica"/>
-                <a:sym typeface="Helvetica"/>
-              </a:defRPr>
-            </a:pPr>
-            <a:r>
-              <a:t>nicht ohne Visualisierung und inhaltlichen Kontext verwendet werden.</a:t>
-            </a:r>
-          </a:p>
-        </p:txBody>
-      </p:sp>
-      <p:sp>
-        <p:nvSpPr>
-          <p:cNvPr id="241" name="Pfeil"/>
-          <p:cNvSpPr/>
-          <p:nvPr/>
-        </p:nvSpPr>
-        <p:spPr>
-          <a:xfrm>
-            <a:off x="2835622" y="11224121"/>
-            <a:ext cx="483444" cy="342522"/>
-          </a:xfrm>
-          <a:prstGeom prst="rightArrow">
-            <a:avLst>
-              <a:gd name="adj1" fmla="val 32000"/>
-              <a:gd name="adj2" fmla="val 90331"/>
-            </a:avLst>
-          </a:prstGeom>
-          <a:solidFill>
-            <a:srgbClr val="000000"/>
-          </a:solidFill>
-          <a:ln w="25400">
-            <a:solidFill>
-              <a:srgbClr val="85888D"/>
-            </a:solidFill>
-            <a:miter lim="400000"/>
-          </a:ln>
-        </p:spPr>
-        <p:txBody>
-          <a:bodyPr lIns="71437" tIns="71437" rIns="71437" bIns="71437" anchor="ctr"/>
-          <a:lstStyle/>
-          <a:p>
-            <a:pPr>
-              <a:defRPr sz="3200"/>
-            </a:pPr>
-          </a:p>
-        </p:txBody>
-      </p:sp>
-      <p:sp>
-        <p:nvSpPr>
-          <p:cNvPr id="242" name="Räumliches Audio kann die Plausibilität von AR/VR-Inhalten verbessern, es…"/>
-          <p:cNvSpPr txBox="1"/>
-          <p:nvPr/>
-        </p:nvSpPr>
-        <p:spPr>
-          <a:xfrm>
-            <a:off x="4122744" y="10900081"/>
-            <a:ext cx="19502302" cy="1514476"/>
-          </a:xfrm>
-          <a:prstGeom prst="rect">
-            <a:avLst/>
-          </a:prstGeom>
-          <a:ln w="12700">
-            <a:miter lim="400000"/>
-          </a:ln>
-          <a:extLst>
-            <a:ext uri="{C572A759-6A51-4108-AA02-DFA0A04FC94B}">
-              <ma14:wrappingTextBoxFlag xmlns:ma14="http://schemas.microsoft.com/office/mac/drawingml/2011/main" val="1"/>
-            </a:ext>
-          </a:extLst>
-        </p:spPr>
-        <p:txBody>
-          <a:bodyPr wrap="none" lIns="71437" tIns="71437" rIns="71437" bIns="71437" anchor="ctr">
-            <a:spAutoFit/>
-          </a:bodyPr>
-          <a:lstStyle/>
-          <a:p>
-            <a:pPr algn="l">
-              <a:defRPr sz="4500">
-                <a:latin typeface="Helvetica"/>
-                <a:ea typeface="Helvetica"/>
-                <a:cs typeface="Helvetica"/>
-                <a:sym typeface="Helvetica"/>
-              </a:defRPr>
-            </a:pPr>
-            <a:r>
-              <a:t>Räumliches Audio kann die Plausibilität von AR/VR-Inhalten verbessern, es </a:t>
-            </a:r>
-          </a:p>
-          <a:p>
-            <a:pPr algn="l">
-              <a:defRPr sz="4500">
-                <a:latin typeface="Helvetica"/>
-                <a:ea typeface="Helvetica"/>
-                <a:cs typeface="Helvetica"/>
-                <a:sym typeface="Helvetica"/>
-              </a:defRPr>
-            </a:pPr>
-            <a:r>
-              <a:t>muss jedoch auf das Wohlbefinden des Konsumenten geachtet werden. </a:t>
-            </a:r>
-          </a:p>
-        </p:txBody>
-      </p:sp>
     </p:spTree>
   </p:cSld>
   <p:clrMapOvr>
@@ -6888,7 +7315,362 @@
       </p:grpSpPr>
       <p:sp>
         <p:nvSpPr>
-          <p:cNvPr id="246" name="Vielen Dank für Ihre Aufmerksamkeit!"/>
+          <p:cNvPr id="242" name="Erkenntnisse des Hörversuchs"/>
+          <p:cNvSpPr txBox="1"/>
+          <p:nvPr>
+            <p:ph type="title"/>
+          </p:nvPr>
+        </p:nvSpPr>
+        <p:spPr>
+          <a:prstGeom prst="rect">
+            <a:avLst/>
+          </a:prstGeom>
+        </p:spPr>
+        <p:txBody>
+          <a:bodyPr/>
+          <a:lstStyle>
+            <a:lvl1pPr>
+              <a:defRPr sz="8300"/>
+            </a:lvl1pPr>
+          </a:lstStyle>
+          <a:p>
+            <a:pPr/>
+            <a:r>
+              <a:t>Erkenntnisse des Hörversuchs</a:t>
+            </a:r>
+          </a:p>
+        </p:txBody>
+      </p:sp>
+      <p:sp>
+        <p:nvSpPr>
+          <p:cNvPr id="243" name="Inhaltlicher Kontext und Visuelles war relevanter zur Lokalisation als die Akustik…"/>
+          <p:cNvSpPr txBox="1"/>
+          <p:nvPr>
+            <p:ph type="body" idx="1"/>
+          </p:nvPr>
+        </p:nvSpPr>
+        <p:spPr>
+          <a:prstGeom prst="rect">
+            <a:avLst/>
+          </a:prstGeom>
+        </p:spPr>
+        <p:txBody>
+          <a:bodyPr/>
+          <a:lstStyle/>
+          <a:p>
+            <a:pPr marL="417829" indent="-417829" defTabSz="549148">
+              <a:spcBef>
+                <a:spcPts val="3900"/>
+              </a:spcBef>
+              <a:buSzPct val="145000"/>
+              <a:defRPr sz="4230"/>
+            </a:pPr>
+            <a:r>
+              <a:t>Inhaltlicher Kontext und Visuelles war relevanter zur Lokalisation als die Akustik</a:t>
+            </a:r>
+          </a:p>
+          <a:p>
+            <a:pPr marL="417829" indent="-417829" defTabSz="549148">
+              <a:spcBef>
+                <a:spcPts val="3900"/>
+              </a:spcBef>
+              <a:buSzPct val="145000"/>
+              <a:defRPr sz="4230"/>
+            </a:pPr>
+            <a:r>
+              <a:t>Lokalisation war recht ungenau und variierte vor allem in der Horizontalebene</a:t>
+            </a:r>
+          </a:p>
+          <a:p>
+            <a:pPr marL="0" indent="0" defTabSz="549148">
+              <a:spcBef>
+                <a:spcPts val="3900"/>
+              </a:spcBef>
+              <a:buSzTx/>
+              <a:buNone/>
+              <a:defRPr sz="4230"/>
+            </a:pPr>
+            <a:r>
+              <a:t> </a:t>
+            </a:r>
+          </a:p>
+          <a:p>
+            <a:pPr marL="417829" indent="-417829" defTabSz="549148">
+              <a:spcBef>
+                <a:spcPts val="3900"/>
+              </a:spcBef>
+              <a:buSzPct val="145000"/>
+              <a:defRPr sz="4230"/>
+            </a:pPr>
+          </a:p>
+          <a:p>
+            <a:pPr marL="417829" indent="-417829" defTabSz="549148">
+              <a:spcBef>
+                <a:spcPts val="3900"/>
+              </a:spcBef>
+              <a:buSzPct val="145000"/>
+              <a:defRPr sz="4230"/>
+            </a:pPr>
+            <a:r>
+              <a:t>räumliche Audiowiedergabe wurde als sehr plausibel und realistisch wahrgenommen</a:t>
+            </a:r>
+          </a:p>
+          <a:p>
+            <a:pPr marL="417829" indent="-417829" defTabSz="549148">
+              <a:spcBef>
+                <a:spcPts val="3900"/>
+              </a:spcBef>
+              <a:buSzPct val="145000"/>
+              <a:defRPr sz="4230"/>
+            </a:pPr>
+            <a:r>
+              <a:t>je realistischer die räumliche Audiowiedergabe wahrgenommen wurde, desto unheimlicher wurde die Darbietung auch bewertet</a:t>
+            </a:r>
+          </a:p>
+        </p:txBody>
+      </p:sp>
+      <p:sp>
+        <p:nvSpPr>
+          <p:cNvPr id="244" name="Foliennummer"/>
+          <p:cNvSpPr txBox="1"/>
+          <p:nvPr>
+            <p:ph type="sldNum" sz="quarter" idx="2"/>
+          </p:nvPr>
+        </p:nvSpPr>
+        <p:spPr>
+          <a:prstGeom prst="rect">
+            <a:avLst/>
+          </a:prstGeom>
+          <a:extLst>
+            <a:ext uri="{C572A759-6A51-4108-AA02-DFA0A04FC94B}">
+              <ma14:wrappingTextBoxFlag xmlns:ma14="http://schemas.microsoft.com/office/mac/drawingml/2011/main" val="1"/>
+            </a:ext>
+          </a:extLst>
+        </p:spPr>
+        <p:txBody>
+          <a:bodyPr/>
+          <a:lstStyle/>
+          <a:p>
+            <a:pPr/>
+            <a:fld id="{86CB4B4D-7CA3-9044-876B-883B54F8677D}" type="slidenum"/>
+          </a:p>
+        </p:txBody>
+      </p:sp>
+      <p:sp>
+        <p:nvSpPr>
+          <p:cNvPr id="245" name="Pfeil"/>
+          <p:cNvSpPr/>
+          <p:nvPr/>
+        </p:nvSpPr>
+        <p:spPr>
+          <a:xfrm>
+            <a:off x="2747119" y="5902036"/>
+            <a:ext cx="483444" cy="342522"/>
+          </a:xfrm>
+          <a:prstGeom prst="rightArrow">
+            <a:avLst>
+              <a:gd name="adj1" fmla="val 32000"/>
+              <a:gd name="adj2" fmla="val 90331"/>
+            </a:avLst>
+          </a:prstGeom>
+          <a:solidFill>
+            <a:srgbClr val="000000"/>
+          </a:solidFill>
+          <a:ln w="25400">
+            <a:solidFill>
+              <a:srgbClr val="85888D"/>
+            </a:solidFill>
+            <a:miter lim="400000"/>
+          </a:ln>
+        </p:spPr>
+        <p:txBody>
+          <a:bodyPr lIns="71437" tIns="71437" rIns="71437" bIns="71437" anchor="ctr"/>
+          <a:lstStyle/>
+          <a:p>
+            <a:pPr>
+              <a:defRPr sz="3200"/>
+            </a:pPr>
+          </a:p>
+        </p:txBody>
+      </p:sp>
+      <p:sp>
+        <p:nvSpPr>
+          <p:cNvPr id="246" name="Räumliche Audio-Wiedergabe sollte, wenn die genaue Lokalisation wichtig ist,…"/>
+          <p:cNvSpPr txBox="1"/>
+          <p:nvPr/>
+        </p:nvSpPr>
+        <p:spPr>
+          <a:xfrm>
+            <a:off x="4034240" y="5577997"/>
+            <a:ext cx="20011015" cy="1514476"/>
+          </a:xfrm>
+          <a:prstGeom prst="rect">
+            <a:avLst/>
+          </a:prstGeom>
+          <a:ln w="12700">
+            <a:miter lim="400000"/>
+          </a:ln>
+          <a:extLst>
+            <a:ext uri="{C572A759-6A51-4108-AA02-DFA0A04FC94B}">
+              <ma14:wrappingTextBoxFlag xmlns:ma14="http://schemas.microsoft.com/office/mac/drawingml/2011/main" val="1"/>
+            </a:ext>
+          </a:extLst>
+        </p:spPr>
+        <p:txBody>
+          <a:bodyPr wrap="none" lIns="71437" tIns="71437" rIns="71437" bIns="71437" anchor="ctr">
+            <a:spAutoFit/>
+          </a:bodyPr>
+          <a:lstStyle/>
+          <a:p>
+            <a:pPr algn="l">
+              <a:defRPr sz="4500">
+                <a:latin typeface="Helvetica"/>
+                <a:ea typeface="Helvetica"/>
+                <a:cs typeface="Helvetica"/>
+                <a:sym typeface="Helvetica"/>
+              </a:defRPr>
+            </a:pPr>
+            <a:r>
+              <a:t>Räumliche Audio-Wiedergabe sollte, wenn die genaue Lokalisation wichtig ist,</a:t>
+            </a:r>
+          </a:p>
+          <a:p>
+            <a:pPr algn="l">
+              <a:defRPr sz="4500">
+                <a:latin typeface="Helvetica"/>
+                <a:ea typeface="Helvetica"/>
+                <a:cs typeface="Helvetica"/>
+                <a:sym typeface="Helvetica"/>
+              </a:defRPr>
+            </a:pPr>
+            <a:r>
+              <a:t>nicht ohne Visualisierung und inhaltlichen Kontext verwendet werden.</a:t>
+            </a:r>
+          </a:p>
+        </p:txBody>
+      </p:sp>
+      <p:sp>
+        <p:nvSpPr>
+          <p:cNvPr id="247" name="Pfeil"/>
+          <p:cNvSpPr/>
+          <p:nvPr/>
+        </p:nvSpPr>
+        <p:spPr>
+          <a:xfrm>
+            <a:off x="2835622" y="11224121"/>
+            <a:ext cx="483444" cy="342522"/>
+          </a:xfrm>
+          <a:prstGeom prst="rightArrow">
+            <a:avLst>
+              <a:gd name="adj1" fmla="val 32000"/>
+              <a:gd name="adj2" fmla="val 90331"/>
+            </a:avLst>
+          </a:prstGeom>
+          <a:solidFill>
+            <a:srgbClr val="000000"/>
+          </a:solidFill>
+          <a:ln w="25400">
+            <a:solidFill>
+              <a:srgbClr val="85888D"/>
+            </a:solidFill>
+            <a:miter lim="400000"/>
+          </a:ln>
+        </p:spPr>
+        <p:txBody>
+          <a:bodyPr lIns="71437" tIns="71437" rIns="71437" bIns="71437" anchor="ctr"/>
+          <a:lstStyle/>
+          <a:p>
+            <a:pPr>
+              <a:defRPr sz="3200"/>
+            </a:pPr>
+          </a:p>
+        </p:txBody>
+      </p:sp>
+      <p:sp>
+        <p:nvSpPr>
+          <p:cNvPr id="248" name="Räumliches Audio kann die Plausibilität von AR/VR-Inhalten verbessern, es…"/>
+          <p:cNvSpPr txBox="1"/>
+          <p:nvPr/>
+        </p:nvSpPr>
+        <p:spPr>
+          <a:xfrm>
+            <a:off x="4122744" y="10900081"/>
+            <a:ext cx="19502302" cy="1514476"/>
+          </a:xfrm>
+          <a:prstGeom prst="rect">
+            <a:avLst/>
+          </a:prstGeom>
+          <a:ln w="12700">
+            <a:miter lim="400000"/>
+          </a:ln>
+          <a:extLst>
+            <a:ext uri="{C572A759-6A51-4108-AA02-DFA0A04FC94B}">
+              <ma14:wrappingTextBoxFlag xmlns:ma14="http://schemas.microsoft.com/office/mac/drawingml/2011/main" val="1"/>
+            </a:ext>
+          </a:extLst>
+        </p:spPr>
+        <p:txBody>
+          <a:bodyPr wrap="none" lIns="71437" tIns="71437" rIns="71437" bIns="71437" anchor="ctr">
+            <a:spAutoFit/>
+          </a:bodyPr>
+          <a:lstStyle/>
+          <a:p>
+            <a:pPr algn="l">
+              <a:defRPr sz="4500">
+                <a:latin typeface="Helvetica"/>
+                <a:ea typeface="Helvetica"/>
+                <a:cs typeface="Helvetica"/>
+                <a:sym typeface="Helvetica"/>
+              </a:defRPr>
+            </a:pPr>
+            <a:r>
+              <a:t>Räumliches Audio kann die Plausibilität von AR/VR-Inhalten verbessern, es </a:t>
+            </a:r>
+          </a:p>
+          <a:p>
+            <a:pPr algn="l">
+              <a:defRPr sz="4500">
+                <a:latin typeface="Helvetica"/>
+                <a:ea typeface="Helvetica"/>
+                <a:cs typeface="Helvetica"/>
+                <a:sym typeface="Helvetica"/>
+              </a:defRPr>
+            </a:pPr>
+            <a:r>
+              <a:t>muss jedoch auf das Wohlbefinden des Konsumenten geachtet werden. </a:t>
+            </a:r>
+          </a:p>
+        </p:txBody>
+      </p:sp>
+    </p:spTree>
+  </p:cSld>
+  <p:clrMapOvr>
+    <a:masterClrMapping/>
+  </p:clrMapOvr>
+  <p:transition xmlns:p14="http://schemas.microsoft.com/office/powerpoint/2010/main" spd="med" advClick="1"/>
+</p:sld>
+</file>
+
+<file path=ppt/slides/slide13.xml><?xml version="1.0" encoding="utf-8"?>
+<p:sld xmlns:a="http://schemas.openxmlformats.org/drawingml/2006/main" xmlns:r="http://schemas.openxmlformats.org/officeDocument/2006/relationships" xmlns:p="http://schemas.openxmlformats.org/presentationml/2006/main" xmlns:m="http://schemas.openxmlformats.org/officeDocument/2006/math" xmlns:a14="http://schemas.microsoft.com/office/drawing/2010/main" showMasterSp="1" showMasterPhAnim="1">
+  <p:cSld>
+    <p:spTree>
+      <p:nvGrpSpPr>
+        <p:cNvPr id="1" name=""/>
+        <p:cNvGrpSpPr/>
+        <p:nvPr/>
+      </p:nvGrpSpPr>
+      <p:grpSpPr>
+        <a:xfrm>
+          <a:off x="0" y="0"/>
+          <a:ext cx="0" cy="0"/>
+          <a:chOff x="0" y="0"/>
+          <a:chExt cx="0" cy="0"/>
+        </a:xfrm>
+      </p:grpSpPr>
+      <p:sp>
+        <p:nvSpPr>
+          <p:cNvPr id="252" name="Vielen Dank für Ihre Aufmerksamkeit!"/>
           <p:cNvSpPr txBox="1"/>
           <p:nvPr>
             <p:ph type="ctrTitle"/>
@@ -6910,6 +7692,152 @@
             <a:pPr/>
             <a:r>
               <a:t>Vielen Dank für Ihre Aufmerksamkeit!</a:t>
+            </a:r>
+          </a:p>
+        </p:txBody>
+      </p:sp>
+    </p:spTree>
+  </p:cSld>
+  <p:clrMapOvr>
+    <a:masterClrMapping/>
+  </p:clrMapOvr>
+  <p:transition xmlns:p14="http://schemas.microsoft.com/office/powerpoint/2010/main" spd="med" advClick="1"/>
+</p:sld>
+</file>
+
+<file path=ppt/slides/slide14.xml><?xml version="1.0" encoding="utf-8"?>
+<p:sld xmlns:a="http://schemas.openxmlformats.org/drawingml/2006/main" xmlns:r="http://schemas.openxmlformats.org/officeDocument/2006/relationships" xmlns:p="http://schemas.openxmlformats.org/presentationml/2006/main" xmlns:m="http://schemas.openxmlformats.org/officeDocument/2006/math" xmlns:a14="http://schemas.microsoft.com/office/drawing/2010/main" showMasterSp="1" showMasterPhAnim="1">
+  <p:cSld>
+    <p:spTree>
+      <p:nvGrpSpPr>
+        <p:cNvPr id="1" name=""/>
+        <p:cNvGrpSpPr/>
+        <p:nvPr/>
+      </p:nvGrpSpPr>
+      <p:grpSpPr>
+        <a:xfrm>
+          <a:off x="0" y="0"/>
+          <a:ext cx="0" cy="0"/>
+          <a:chOff x="0" y="0"/>
+          <a:chExt cx="0" cy="0"/>
+        </a:xfrm>
+      </p:grpSpPr>
+      <p:sp>
+        <p:nvSpPr>
+          <p:cNvPr id="254" name="https://docs.microsoft.com/en-us/windows/mixed-reality/mixed-reality           abgerufen am 07.02.19…"/>
+          <p:cNvSpPr txBox="1"/>
+          <p:nvPr/>
+        </p:nvSpPr>
+        <p:spPr>
+          <a:xfrm>
+            <a:off x="1969671" y="3353776"/>
+            <a:ext cx="22264538" cy="4130676"/>
+          </a:xfrm>
+          <a:prstGeom prst="rect">
+            <a:avLst/>
+          </a:prstGeom>
+          <a:ln w="12700">
+            <a:miter lim="400000"/>
+          </a:ln>
+          <a:extLst>
+            <a:ext uri="{C572A759-6A51-4108-AA02-DFA0A04FC94B}">
+              <ma14:wrappingTextBoxFlag xmlns:ma14="http://schemas.microsoft.com/office/mac/drawingml/2011/main" val="1"/>
+            </a:ext>
+          </a:extLst>
+        </p:spPr>
+        <p:txBody>
+          <a:bodyPr lIns="71437" tIns="71437" rIns="71437" bIns="71437" anchor="ctr">
+            <a:spAutoFit/>
+          </a:bodyPr>
+          <a:lstStyle/>
+          <a:p>
+            <a:pPr marL="555625" indent="-555625" algn="l">
+              <a:buSzPct val="75000"/>
+              <a:buChar char="•"/>
+              <a:defRPr sz="4500">
+                <a:latin typeface="Helvetica"/>
+                <a:ea typeface="Helvetica"/>
+                <a:cs typeface="Helvetica"/>
+                <a:sym typeface="Helvetica"/>
+              </a:defRPr>
+            </a:pPr>
+            <a:r>
+              <a:t>https://docs.microsoft.com/en-us/windows/mixed-reality/mixed-reality           abgerufen am 07.02.19 </a:t>
+            </a:r>
+          </a:p>
+          <a:p>
+            <a:pPr marL="555625" indent="-555625" algn="l">
+              <a:buSzPct val="75000"/>
+              <a:buChar char="•"/>
+              <a:defRPr sz="4500">
+                <a:latin typeface="Helvetica"/>
+                <a:ea typeface="Helvetica"/>
+                <a:cs typeface="Helvetica"/>
+                <a:sym typeface="Helvetica"/>
+              </a:defRPr>
+            </a:pPr>
+          </a:p>
+          <a:p>
+            <a:pPr marL="555625" indent="-555625" algn="l" defTabSz="457200">
+              <a:lnSpc>
+                <a:spcPts val="7200"/>
+              </a:lnSpc>
+              <a:spcBef>
+                <a:spcPts val="1200"/>
+              </a:spcBef>
+              <a:buSzPct val="75000"/>
+              <a:buChar char="•"/>
+              <a:defRPr sz="4500">
+                <a:latin typeface="Helvetica"/>
+                <a:ea typeface="Helvetica"/>
+                <a:cs typeface="Helvetica"/>
+                <a:sym typeface="Helvetica"/>
+              </a:defRPr>
+            </a:pPr>
+            <a:r>
+              <a:t>https://docs.microsoft.com/en-us/windows/ mixed-reality/holograms-220       abgerufen am 12.04.19 </a:t>
+            </a:r>
+            <a:br/>
+            <a:endParaRPr sz="1200"/>
+          </a:p>
+        </p:txBody>
+      </p:sp>
+      <p:sp>
+        <p:nvSpPr>
+          <p:cNvPr id="255" name="Quellen:"/>
+          <p:cNvSpPr txBox="1"/>
+          <p:nvPr/>
+        </p:nvSpPr>
+        <p:spPr>
+          <a:xfrm>
+            <a:off x="9749472" y="481490"/>
+            <a:ext cx="4885056" cy="1666876"/>
+          </a:xfrm>
+          <a:prstGeom prst="rect">
+            <a:avLst/>
+          </a:prstGeom>
+          <a:ln w="12700">
+            <a:miter lim="400000"/>
+          </a:ln>
+          <a:extLst>
+            <a:ext uri="{C572A759-6A51-4108-AA02-DFA0A04FC94B}">
+              <ma14:wrappingTextBoxFlag xmlns:ma14="http://schemas.microsoft.com/office/mac/drawingml/2011/main" val="1"/>
+            </a:ext>
+          </a:extLst>
+        </p:spPr>
+        <p:txBody>
+          <a:bodyPr wrap="none" lIns="71437" tIns="71437" rIns="71437" bIns="71437" anchor="ctr">
+            <a:spAutoFit/>
+          </a:bodyPr>
+          <a:lstStyle>
+            <a:lvl1pPr>
+              <a:defRPr sz="10000"/>
+            </a:lvl1pPr>
+          </a:lstStyle>
+          <a:p>
+            <a:pPr/>
+            <a:r>
+              <a:t>Quellen:</a:t>
             </a:r>
           </a:p>
         </p:txBody>
@@ -6942,7 +7870,7 @@
       </p:grpSpPr>
       <p:sp>
         <p:nvSpPr>
-          <p:cNvPr id="163" name="Inhalte"/>
+          <p:cNvPr id="163" name="Agenda"/>
           <p:cNvSpPr txBox="1"/>
           <p:nvPr>
             <p:ph type="title"/>
@@ -6959,7 +7887,7 @@
           <a:p>
             <a:pPr/>
             <a:r>
-              <a:t>Inhalte</a:t>
+              <a:t>Agenda</a:t>
             </a:r>
           </a:p>
         </p:txBody>
@@ -7104,7 +8032,7 @@
       </p:grpSpPr>
       <p:sp>
         <p:nvSpPr>
-          <p:cNvPr id="169" name="HoloLens-Applikation"/>
+          <p:cNvPr id="169" name="Versuchsidee"/>
           <p:cNvSpPr txBox="1"/>
           <p:nvPr>
             <p:ph type="title"/>
@@ -7121,20 +8049,24 @@
           <a:p>
             <a:pPr/>
             <a:r>
-              <a:t>HoloLens-Applikation</a:t>
-            </a:r>
-          </a:p>
-        </p:txBody>
-      </p:sp>
-      <p:sp>
-        <p:nvSpPr>
-          <p:cNvPr id="170" name="Erstellung einer virtuellen Welt mit Blender…"/>
+              <a:t>Versuchsidee</a:t>
+            </a:r>
+          </a:p>
+        </p:txBody>
+      </p:sp>
+      <p:sp>
+        <p:nvSpPr>
+          <p:cNvPr id="170" name="Hörversuch zur Lokalisationsfähigkeit bei Augmented Reality/ Mixed-Reality…"/>
           <p:cNvSpPr txBox="1"/>
           <p:nvPr>
             <p:ph type="body" idx="1"/>
           </p:nvPr>
         </p:nvSpPr>
         <p:spPr>
+          <a:xfrm>
+            <a:off x="1810298" y="2805031"/>
+            <a:ext cx="15172317" cy="8840391"/>
+          </a:xfrm>
           <a:prstGeom prst="rect">
             <a:avLst/>
           </a:prstGeom>
@@ -7143,19 +8075,19 @@
           <a:bodyPr/>
           <a:lstStyle/>
           <a:p>
-            <a:pPr marL="444499" indent="-444499">
+            <a:pPr marL="444500" indent="-444500">
               <a:buSzPct val="145000"/>
             </a:pPr>
             <a:r>
-              <a:t>Erstellung einer virtuellen Welt mit Blender</a:t>
-            </a:r>
-          </a:p>
-          <a:p>
-            <a:pPr marL="444499" indent="-444499">
+              <a:t>Hörversuch zur Lokalisationsfähigkeit bei Augmented Reality/ Mixed-Reality</a:t>
+            </a:r>
+          </a:p>
+          <a:p>
+            <a:pPr marL="444500" indent="-444500">
               <a:buSzPct val="145000"/>
             </a:pPr>
             <a:r>
-              <a:t>Entwicklung einer HoloLens-App mit Unity</a:t>
+              <a:t>Software für räumliche Audio-Wiedergabe &amp; Microsoft HoloLens testen auf:</a:t>
             </a:r>
           </a:p>
           <a:p>
@@ -7163,7 +8095,7 @@
               <a:buSzPct val="145000"/>
             </a:pPr>
             <a:r>
-              <a:t>Hologramm der virtuellen Welt auf Tisch projiziert </a:t>
+              <a:t>Plausibilität der räumlichen Wiedergabe</a:t>
             </a:r>
           </a:p>
           <a:p>
@@ -7171,7 +8103,7 @@
               <a:buSzPct val="145000"/>
             </a:pPr>
             <a:r>
-              <a:t>räumliche Audiowiedergabe </a:t>
+              <a:t>Immersionsempfinden während der Darbietung</a:t>
             </a:r>
           </a:p>
           <a:p>
@@ -7179,15 +8111,7 @@
               <a:buSzPct val="145000"/>
             </a:pPr>
             <a:r>
-              <a:t>intuitive AR-Benutzeroberfläche </a:t>
-            </a:r>
-          </a:p>
-          <a:p>
-            <a:pPr lvl="1" marL="889000" indent="-444500">
-              <a:buSzPct val="145000"/>
-            </a:pPr>
-            <a:r>
-              <a:t>Speicherung der Probandenantworten und Position der gehörten Schallquellequelle</a:t>
+              <a:t>Wohlbefinden bei der Darbietung von Mixed-Reality-Inhalten</a:t>
             </a:r>
           </a:p>
         </p:txBody>
@@ -7220,6 +8144,81 @@
           <a:p>
             <a:pPr/>
             <a:fld id="{86CB4B4D-7CA3-9044-876B-883B54F8677D}" type="slidenum"/>
+          </a:p>
+        </p:txBody>
+      </p:sp>
+      <p:pic>
+        <p:nvPicPr>
+          <p:cNvPr id="172" name="Bild" descr="Bild"/>
+          <p:cNvPicPr>
+            <a:picLocks noChangeAspect="1"/>
+          </p:cNvPicPr>
+          <p:nvPr/>
+        </p:nvPicPr>
+        <p:blipFill>
+          <a:blip r:embed="rId2">
+            <a:extLst/>
+          </a:blip>
+          <a:stretch>
+            <a:fillRect/>
+          </a:stretch>
+        </p:blipFill>
+        <p:spPr>
+          <a:xfrm>
+            <a:off x="16206273" y="2510671"/>
+            <a:ext cx="7702845" cy="7702845"/>
+          </a:xfrm>
+          <a:prstGeom prst="rect">
+            <a:avLst/>
+          </a:prstGeom>
+          <a:ln w="12700">
+            <a:miter lim="400000"/>
+          </a:ln>
+        </p:spPr>
+      </p:pic>
+      <p:sp>
+        <p:nvSpPr>
+          <p:cNvPr id="173" name="Quelle (Abruf 07.02.19):…"/>
+          <p:cNvSpPr txBox="1"/>
+          <p:nvPr/>
+        </p:nvSpPr>
+        <p:spPr>
+          <a:xfrm>
+            <a:off x="17123216" y="10231128"/>
+            <a:ext cx="7064033" cy="1552576"/>
+          </a:xfrm>
+          <a:prstGeom prst="rect">
+            <a:avLst/>
+          </a:prstGeom>
+          <a:ln w="12700">
+            <a:miter lim="400000"/>
+          </a:ln>
+          <a:extLst>
+            <a:ext uri="{C572A759-6A51-4108-AA02-DFA0A04FC94B}">
+              <ma14:wrappingTextBoxFlag xmlns:ma14="http://schemas.microsoft.com/office/mac/drawingml/2011/main" val="1"/>
+            </a:ext>
+          </a:extLst>
+        </p:spPr>
+        <p:txBody>
+          <a:bodyPr lIns="71437" tIns="71437" rIns="71437" bIns="71437" anchor="ctr">
+            <a:spAutoFit/>
+          </a:bodyPr>
+          <a:lstStyle/>
+          <a:p>
+            <a:pPr>
+              <a:defRPr sz="3100"/>
+            </a:pPr>
+            <a:r>
+              <a:t>Quelle (Abruf 07.02.19): </a:t>
+            </a:r>
+          </a:p>
+          <a:p>
+            <a:pPr>
+              <a:defRPr sz="3100"/>
+            </a:pPr>
+            <a:r>
+              <a:t>https://docs.microsoft.com/en-us/windows/mixed-reality/mixed-reality</a:t>
+            </a:r>
           </a:p>
         </p:txBody>
       </p:sp>
@@ -7251,7 +8250,7 @@
       </p:grpSpPr>
       <p:sp>
         <p:nvSpPr>
-          <p:cNvPr id="175" name="Räumliche Audio-Wiedergabe (3D-Audio)"/>
+          <p:cNvPr id="175" name="HoloLens-Applikation"/>
           <p:cNvSpPr txBox="1"/>
           <p:nvPr>
             <p:ph type="title"/>
@@ -7264,27 +8263,18 @@
         </p:spPr>
         <p:txBody>
           <a:bodyPr/>
-          <a:lstStyle>
-            <a:lvl1pPr defTabSz="584200">
-              <a:defRPr sz="6400">
-                <a:latin typeface="Helvetica"/>
-                <a:ea typeface="Helvetica"/>
-                <a:cs typeface="Helvetica"/>
-                <a:sym typeface="Helvetica"/>
-              </a:defRPr>
-            </a:lvl1pPr>
-          </a:lstStyle>
-          <a:p>
-            <a:pPr/>
-            <a:r>
-              <a:t>Räumliche Audio-Wiedergabe (3D-Audio)</a:t>
-            </a:r>
-          </a:p>
-        </p:txBody>
-      </p:sp>
-      <p:sp>
-        <p:nvSpPr>
-          <p:cNvPr id="176" name="Implementierung über „Microsoft Spatial Audio“ und „Microsoft HRTF-Spatializer“…"/>
+          <a:lstStyle/>
+          <a:p>
+            <a:pPr/>
+            <a:r>
+              <a:t>HoloLens-Applikation</a:t>
+            </a:r>
+          </a:p>
+        </p:txBody>
+      </p:sp>
+      <p:sp>
+        <p:nvSpPr>
+          <p:cNvPr id="176" name="Erstellung einer virtuellen Welt mit Blender…"/>
           <p:cNvSpPr txBox="1"/>
           <p:nvPr>
             <p:ph type="body" idx="1"/>
@@ -7299,45 +8289,51 @@
           <a:bodyPr/>
           <a:lstStyle/>
           <a:p>
-            <a:pPr marL="444500" indent="-444500">
+            <a:pPr marL="444499" indent="-444499">
               <a:buSzPct val="145000"/>
             </a:pPr>
             <a:r>
-              <a:t>Implementierung über „Microsoft Spatial Audio“ und „Microsoft HRTF-Spatializer“</a:t>
-            </a:r>
-          </a:p>
-          <a:p>
-            <a:pPr marL="444500" indent="-444500">
+              <a:t>Erstellung einer virtuellen Welt mit Blender</a:t>
+            </a:r>
+          </a:p>
+          <a:p>
+            <a:pPr marL="444499" indent="-444499">
               <a:buSzPct val="145000"/>
             </a:pPr>
             <a:r>
-              <a:t>binaurale Wiedergabe über Kopfhörer der MS HoloLens</a:t>
-            </a:r>
-          </a:p>
-          <a:p>
-            <a:pPr marL="444500" indent="-444500">
+              <a:t>Entwicklung einer HoloLens-App mit Unity</a:t>
+            </a:r>
+          </a:p>
+          <a:p>
+            <a:pPr lvl="1" marL="889000" indent="-444500">
               <a:buSzPct val="145000"/>
             </a:pPr>
             <a:r>
-              <a:t>Anpassung der Audio-Signale durch:</a:t>
-            </a:r>
-          </a:p>
-          <a:p>
-            <a:pPr lvl="1" marL="1270000" indent="-635000">
-              <a:buSzPct val="100000"/>
-              <a:buAutoNum type="arabicPeriod" startAt="1"/>
+              <a:t>Hologramm der virtuellen Welt auf Tisch projiziert </a:t>
+            </a:r>
+          </a:p>
+          <a:p>
+            <a:pPr lvl="1" marL="889000" indent="-444500">
+              <a:buSzPct val="145000"/>
             </a:pPr>
             <a:r>
-              <a:t>kopfbezogene Übertragungsfunktionen</a:t>
-            </a:r>
-          </a:p>
-          <a:p>
-            <a:pPr lvl="1" marL="1270000" indent="-635000">
-              <a:buSzPct val="100000"/>
-              <a:buAutoNum type="arabicPeriod" startAt="1"/>
+              <a:t>räumliche Audiowiedergabe </a:t>
+            </a:r>
+          </a:p>
+          <a:p>
+            <a:pPr lvl="1" marL="889000" indent="-444500">
+              <a:buSzPct val="145000"/>
             </a:pPr>
             <a:r>
-              <a:t>Auralisation durch Simulation der Raumakustik mittels implementierten Raummodells</a:t>
+              <a:t>intuitive AR-Benutzeroberfläche </a:t>
+            </a:r>
+          </a:p>
+          <a:p>
+            <a:pPr lvl="1" marL="889000" indent="-444500">
+              <a:buSzPct val="145000"/>
+            </a:pPr>
+            <a:r>
+              <a:t>Speicherung der Probandenantworten und Position der gehörten Schallquellequelle</a:t>
             </a:r>
           </a:p>
         </p:txBody>
@@ -7401,7 +8397,157 @@
       </p:grpSpPr>
       <p:sp>
         <p:nvSpPr>
-          <p:cNvPr id="181" name="Ablauf des Hörversuchs"/>
+          <p:cNvPr id="181" name="Räumliche Audio-Wiedergabe (3D-Audio)"/>
+          <p:cNvSpPr txBox="1"/>
+          <p:nvPr>
+            <p:ph type="title"/>
+          </p:nvPr>
+        </p:nvSpPr>
+        <p:spPr>
+          <a:prstGeom prst="rect">
+            <a:avLst/>
+          </a:prstGeom>
+        </p:spPr>
+        <p:txBody>
+          <a:bodyPr/>
+          <a:lstStyle>
+            <a:lvl1pPr defTabSz="584200">
+              <a:defRPr sz="6400">
+                <a:latin typeface="Helvetica"/>
+                <a:ea typeface="Helvetica"/>
+                <a:cs typeface="Helvetica"/>
+                <a:sym typeface="Helvetica"/>
+              </a:defRPr>
+            </a:lvl1pPr>
+          </a:lstStyle>
+          <a:p>
+            <a:pPr/>
+            <a:r>
+              <a:t>Räumliche Audio-Wiedergabe (3D-Audio)</a:t>
+            </a:r>
+          </a:p>
+        </p:txBody>
+      </p:sp>
+      <p:sp>
+        <p:nvSpPr>
+          <p:cNvPr id="182" name="Implementierung über „Microsoft Spatial Audio“ und „Microsoft HRTF-Spatializer“…"/>
+          <p:cNvSpPr txBox="1"/>
+          <p:nvPr>
+            <p:ph type="body" idx="1"/>
+          </p:nvPr>
+        </p:nvSpPr>
+        <p:spPr>
+          <a:prstGeom prst="rect">
+            <a:avLst/>
+          </a:prstGeom>
+        </p:spPr>
+        <p:txBody>
+          <a:bodyPr/>
+          <a:lstStyle/>
+          <a:p>
+            <a:pPr marL="444500" indent="-444500">
+              <a:buSzPct val="145000"/>
+            </a:pPr>
+            <a:r>
+              <a:t>Implementierung über „Microsoft Spatial Audio“ und „Microsoft HRTF-Spatializer“</a:t>
+            </a:r>
+          </a:p>
+          <a:p>
+            <a:pPr marL="444500" indent="-444500">
+              <a:buSzPct val="145000"/>
+            </a:pPr>
+            <a:r>
+              <a:t>binaurale Wiedergabe über Kopfhörer der MS HoloLens</a:t>
+            </a:r>
+          </a:p>
+          <a:p>
+            <a:pPr marL="444500" indent="-444500">
+              <a:buSzPct val="145000"/>
+            </a:pPr>
+            <a:r>
+              <a:t>Anpassung der Audio-Signale durch:</a:t>
+            </a:r>
+          </a:p>
+          <a:p>
+            <a:pPr lvl="1" marL="1270000" indent="-635000">
+              <a:buSzPct val="100000"/>
+              <a:buAutoNum type="arabicPeriod" startAt="1"/>
+            </a:pPr>
+            <a:r>
+              <a:t>kopfbezogene Übertragungsfunktionen</a:t>
+            </a:r>
+          </a:p>
+          <a:p>
+            <a:pPr lvl="1" marL="1270000" indent="-635000">
+              <a:buSzPct val="100000"/>
+              <a:buAutoNum type="arabicPeriod" startAt="1"/>
+            </a:pPr>
+            <a:r>
+              <a:t>Auralisation durch Simulation der Raumakustik mittels implementierten Raummodells</a:t>
+            </a:r>
+          </a:p>
+        </p:txBody>
+      </p:sp>
+      <p:sp>
+        <p:nvSpPr>
+          <p:cNvPr id="183" name="Foliennummer"/>
+          <p:cNvSpPr txBox="1"/>
+          <p:nvPr>
+            <p:ph type="sldNum" sz="quarter" idx="2"/>
+          </p:nvPr>
+        </p:nvSpPr>
+        <p:spPr>
+          <a:xfrm>
+            <a:off x="12715608" y="12810926"/>
+            <a:ext cx="381534" cy="625476"/>
+          </a:xfrm>
+          <a:prstGeom prst="rect">
+            <a:avLst/>
+          </a:prstGeom>
+          <a:extLst>
+            <a:ext uri="{C572A759-6A51-4108-AA02-DFA0A04FC94B}">
+              <ma14:wrappingTextBoxFlag xmlns:ma14="http://schemas.microsoft.com/office/mac/drawingml/2011/main" val="1"/>
+            </a:ext>
+          </a:extLst>
+        </p:spPr>
+        <p:txBody>
+          <a:bodyPr/>
+          <a:lstStyle/>
+          <a:p>
+            <a:pPr/>
+            <a:fld id="{86CB4B4D-7CA3-9044-876B-883B54F8677D}" type="slidenum"/>
+          </a:p>
+        </p:txBody>
+      </p:sp>
+    </p:spTree>
+  </p:cSld>
+  <p:clrMapOvr>
+    <a:masterClrMapping/>
+  </p:clrMapOvr>
+  <p:transition xmlns:p14="http://schemas.microsoft.com/office/powerpoint/2010/main" spd="med" advClick="1"/>
+</p:sld>
+</file>
+
+<file path=ppt/slides/slide6.xml><?xml version="1.0" encoding="utf-8"?>
+<p:sld xmlns:a="http://schemas.openxmlformats.org/drawingml/2006/main" xmlns:r="http://schemas.openxmlformats.org/officeDocument/2006/relationships" xmlns:p="http://schemas.openxmlformats.org/presentationml/2006/main" xmlns:m="http://schemas.openxmlformats.org/officeDocument/2006/math" xmlns:a14="http://schemas.microsoft.com/office/drawing/2010/main" showMasterSp="1" showMasterPhAnim="1">
+  <p:cSld>
+    <p:spTree>
+      <p:nvGrpSpPr>
+        <p:cNvPr id="1" name=""/>
+        <p:cNvGrpSpPr/>
+        <p:nvPr/>
+      </p:nvGrpSpPr>
+      <p:grpSpPr>
+        <a:xfrm>
+          <a:off x="0" y="0"/>
+          <a:ext cx="0" cy="0"/>
+          <a:chOff x="0" y="0"/>
+          <a:chExt cx="0" cy="0"/>
+        </a:xfrm>
+      </p:grpSpPr>
+      <p:sp>
+        <p:nvSpPr>
+          <p:cNvPr id="187" name="Ablauf des Hörversuchs"/>
           <p:cNvSpPr txBox="1"/>
           <p:nvPr>
             <p:ph type="title"/>
@@ -7433,7 +8579,7 @@
       </p:sp>
       <p:sp>
         <p:nvSpPr>
-          <p:cNvPr id="182" name="Virtuelle Welt wurde auf Tisch projiziert…"/>
+          <p:cNvPr id="188" name="Virtuelle Welt wurde auf Tisch projiziert…"/>
           <p:cNvSpPr txBox="1"/>
           <p:nvPr>
             <p:ph type="body" sz="half" idx="1"/>
@@ -7497,7 +8643,7 @@
       </p:sp>
       <p:sp>
         <p:nvSpPr>
-          <p:cNvPr id="183" name="Foliennummer"/>
+          <p:cNvPr id="189" name="Foliennummer"/>
           <p:cNvSpPr txBox="1"/>
           <p:nvPr>
             <p:ph type="sldNum" sz="quarter" idx="2"/>
@@ -7528,7 +8674,7 @@
       </p:sp>
       <p:grpSp>
         <p:nvGrpSpPr>
-          <p:cNvPr id="186" name="Gruppieren"/>
+          <p:cNvPr id="192" name="Gruppieren"/>
           <p:cNvGrpSpPr/>
           <p:nvPr/>
         </p:nvGrpSpPr>
@@ -7542,7 +8688,7 @@
         </p:grpSpPr>
         <p:pic>
           <p:nvPicPr>
-            <p:cNvPr id="184" name="Bild" descr="Bild"/>
+            <p:cNvPr id="190" name="Bild" descr="Bild"/>
             <p:cNvPicPr>
               <a:picLocks noChangeAspect="1"/>
             </p:cNvPicPr>
@@ -7573,7 +8719,7 @@
         </p:pic>
         <p:sp>
           <p:nvSpPr>
-            <p:cNvPr id="185" name="Quelle: Hendrik Park"/>
+            <p:cNvPr id="191" name="Quelle: Hendrik Park"/>
             <p:cNvSpPr txBox="1"/>
             <p:nvPr/>
           </p:nvSpPr>
@@ -7629,7 +8775,7 @@
 </p:sld>
 </file>
 
-<file path=ppt/slides/slide6.xml><?xml version="1.0" encoding="utf-8"?>
+<file path=ppt/slides/slide7.xml><?xml version="1.0" encoding="utf-8"?>
 <p:sld xmlns:a="http://schemas.openxmlformats.org/drawingml/2006/main" xmlns:r="http://schemas.openxmlformats.org/officeDocument/2006/relationships" xmlns:p="http://schemas.openxmlformats.org/presentationml/2006/main" xmlns:m="http://schemas.openxmlformats.org/officeDocument/2006/math" xmlns:a14="http://schemas.microsoft.com/office/drawing/2010/main" showMasterSp="1" showMasterPhAnim="1">
   <p:cSld>
     <p:spTree>
@@ -7648,7 +8794,7 @@
       </p:grpSpPr>
       <p:sp>
         <p:nvSpPr>
-          <p:cNvPr id="190" name="Audioszenen im Hörversuch"/>
+          <p:cNvPr id="196" name="Audioszenen im Hörversuch"/>
           <p:cNvSpPr txBox="1"/>
           <p:nvPr>
             <p:ph type="title"/>
@@ -7676,7 +8822,7 @@
       </p:sp>
       <p:sp>
         <p:nvSpPr>
-          <p:cNvPr id="191" name="Foliennummer"/>
+          <p:cNvPr id="197" name="Foliennummer"/>
           <p:cNvSpPr txBox="1"/>
           <p:nvPr>
             <p:ph type="sldNum" sz="quarter" idx="2"/>
@@ -7707,7 +8853,7 @@
       </p:sp>
       <p:graphicFrame>
         <p:nvGraphicFramePr>
-          <p:cNvPr id="192" name="Tabelle"/>
+          <p:cNvPr id="198" name="Tabelle"/>
           <p:cNvGraphicFramePr/>
           <p:nvPr/>
         </p:nvGraphicFramePr>
@@ -8193,60 +9339,6 @@
 </p:sld>
 </file>
 
-<file path=ppt/slides/slide7.xml><?xml version="1.0" encoding="utf-8"?>
-<p:sld xmlns:a="http://schemas.openxmlformats.org/drawingml/2006/main" xmlns:r="http://schemas.openxmlformats.org/officeDocument/2006/relationships" xmlns:p="http://schemas.openxmlformats.org/presentationml/2006/main" xmlns:m="http://schemas.openxmlformats.org/officeDocument/2006/math" xmlns:a14="http://schemas.microsoft.com/office/drawing/2010/main" showMasterSp="1" showMasterPhAnim="1">
-  <p:cSld>
-    <p:spTree>
-      <p:nvGrpSpPr>
-        <p:cNvPr id="1" name=""/>
-        <p:cNvGrpSpPr/>
-        <p:nvPr/>
-      </p:nvGrpSpPr>
-      <p:grpSpPr>
-        <a:xfrm>
-          <a:off x="0" y="0"/>
-          <a:ext cx="0" cy="0"/>
-          <a:chOff x="0" y="0"/>
-          <a:chExt cx="0" cy="0"/>
-        </a:xfrm>
-      </p:grpSpPr>
-      <p:sp>
-        <p:nvSpPr>
-          <p:cNvPr id="196" name="Ergebnisse des Hörversuchs"/>
-          <p:cNvSpPr txBox="1"/>
-          <p:nvPr>
-            <p:ph type="ctrTitle"/>
-          </p:nvPr>
-        </p:nvSpPr>
-        <p:spPr>
-          <a:xfrm>
-            <a:off x="4833937" y="4536281"/>
-            <a:ext cx="14716126" cy="4643438"/>
-          </a:xfrm>
-          <a:prstGeom prst="rect">
-            <a:avLst/>
-          </a:prstGeom>
-        </p:spPr>
-        <p:txBody>
-          <a:bodyPr anchor="ctr"/>
-          <a:lstStyle/>
-          <a:p>
-            <a:pPr/>
-            <a:r>
-              <a:t>Ergebnisse des Hörversuchs</a:t>
-            </a:r>
-          </a:p>
-        </p:txBody>
-      </p:sp>
-    </p:spTree>
-  </p:cSld>
-  <p:clrMapOvr>
-    <a:masterClrMapping/>
-  </p:clrMapOvr>
-  <p:transition xmlns:p14="http://schemas.microsoft.com/office/powerpoint/2010/main" spd="med" advClick="1"/>
-</p:sld>
-</file>
-
 <file path=ppt/slides/slide8.xml><?xml version="1.0" encoding="utf-8"?>
 <p:sld xmlns:a="http://schemas.openxmlformats.org/drawingml/2006/main" xmlns:r="http://schemas.openxmlformats.org/officeDocument/2006/relationships" xmlns:p="http://schemas.openxmlformats.org/presentationml/2006/main" xmlns:m="http://schemas.openxmlformats.org/officeDocument/2006/math" xmlns:a14="http://schemas.microsoft.com/office/drawing/2010/main" showMasterSp="1" showMasterPhAnim="1">
   <p:cSld>
@@ -8266,96 +9358,28 @@
       </p:grpSpPr>
       <p:sp>
         <p:nvSpPr>
-          <p:cNvPr id="198" name="Foliennummer"/>
+          <p:cNvPr id="202" name="Ergebnisse des Hörversuchs"/>
           <p:cNvSpPr txBox="1"/>
           <p:nvPr>
-            <p:ph type="sldNum" sz="quarter" idx="2"/>
+            <p:ph type="ctrTitle"/>
           </p:nvPr>
         </p:nvSpPr>
         <p:spPr>
           <a:xfrm>
-            <a:off x="12761364" y="12823626"/>
-            <a:ext cx="367412" cy="600076"/>
+            <a:off x="4833937" y="4536281"/>
+            <a:ext cx="14716126" cy="4643438"/>
           </a:xfrm>
           <a:prstGeom prst="rect">
             <a:avLst/>
           </a:prstGeom>
-          <a:extLst>
-            <a:ext uri="{C572A759-6A51-4108-AA02-DFA0A04FC94B}">
-              <ma14:wrappingTextBoxFlag xmlns:ma14="http://schemas.microsoft.com/office/mac/drawingml/2011/main" val="1"/>
-            </a:ext>
-          </a:extLst>
-        </p:spPr>
-        <p:txBody>
-          <a:bodyPr/>
+        </p:spPr>
+        <p:txBody>
+          <a:bodyPr anchor="ctr"/>
           <a:lstStyle/>
           <a:p>
             <a:pPr/>
-            <a:fld id="{86CB4B4D-7CA3-9044-876B-883B54F8677D}" type="slidenum"/>
-          </a:p>
-        </p:txBody>
-      </p:sp>
-      <p:pic>
-        <p:nvPicPr>
-          <p:cNvPr id="199" name="Bild" descr="Bild"/>
-          <p:cNvPicPr>
-            <a:picLocks noChangeAspect="1"/>
-          </p:cNvPicPr>
-          <p:nvPr/>
-        </p:nvPicPr>
-        <p:blipFill>
-          <a:blip r:embed="rId3">
-            <a:extLst/>
-          </a:blip>
-          <a:stretch>
-            <a:fillRect/>
-          </a:stretch>
-        </p:blipFill>
-        <p:spPr>
-          <a:xfrm>
-            <a:off x="2082624" y="1028810"/>
-            <a:ext cx="20218752" cy="11373047"/>
-          </a:xfrm>
-          <a:prstGeom prst="rect">
-            <a:avLst/>
-          </a:prstGeom>
-          <a:ln w="12700">
-            <a:miter lim="400000"/>
-          </a:ln>
-        </p:spPr>
-      </p:pic>
-      <p:sp>
-        <p:nvSpPr>
-          <p:cNvPr id="200" name="Lokalisierte virtuelle Schallquellen für Audioszene 2 (Wolfsheulen)"/>
-          <p:cNvSpPr txBox="1"/>
-          <p:nvPr/>
-        </p:nvSpPr>
-        <p:spPr>
-          <a:xfrm>
-            <a:off x="2809557" y="-74249"/>
-            <a:ext cx="18764886" cy="904876"/>
-          </a:xfrm>
-          <a:prstGeom prst="rect">
-            <a:avLst/>
-          </a:prstGeom>
-          <a:ln w="12700">
-            <a:miter lim="400000"/>
-          </a:ln>
-          <a:extLst>
-            <a:ext uri="{C572A759-6A51-4108-AA02-DFA0A04FC94B}">
-              <ma14:wrappingTextBoxFlag xmlns:ma14="http://schemas.microsoft.com/office/mac/drawingml/2011/main" val="1"/>
-            </a:ext>
-          </a:extLst>
-        </p:spPr>
-        <p:txBody>
-          <a:bodyPr wrap="none" lIns="71437" tIns="71437" rIns="71437" bIns="71437" anchor="ctr">
-            <a:spAutoFit/>
-          </a:bodyPr>
-          <a:lstStyle/>
-          <a:p>
-            <a:pPr/>
-            <a:r>
-              <a:t>Lokalisierte virtuelle Schallquellen für Audioszene 2 (Wolfsheulen)</a:t>
+            <a:r>
+              <a:t>Ergebnisse des Hörversuchs</a:t>
             </a:r>
           </a:p>
         </p:txBody>
@@ -8388,39 +9412,7 @@
       </p:grpSpPr>
       <p:sp>
         <p:nvSpPr>
-          <p:cNvPr id="204" name="Probandenantworten zur Audioszene 2"/>
-          <p:cNvSpPr txBox="1"/>
-          <p:nvPr>
-            <p:ph type="title"/>
-          </p:nvPr>
-        </p:nvSpPr>
-        <p:spPr>
-          <a:xfrm>
-            <a:off x="4387453" y="499665"/>
-            <a:ext cx="15609094" cy="3036095"/>
-          </a:xfrm>
-          <a:prstGeom prst="rect">
-            <a:avLst/>
-          </a:prstGeom>
-        </p:spPr>
-        <p:txBody>
-          <a:bodyPr/>
-          <a:lstStyle>
-            <a:lvl1pPr>
-              <a:defRPr sz="8600"/>
-            </a:lvl1pPr>
-          </a:lstStyle>
-          <a:p>
-            <a:pPr/>
-            <a:r>
-              <a:t>Probandenantworten zur Audioszene 2</a:t>
-            </a:r>
-          </a:p>
-        </p:txBody>
-      </p:sp>
-      <p:sp>
-        <p:nvSpPr>
-          <p:cNvPr id="205" name="Foliennummer"/>
+          <p:cNvPr id="204" name="Foliennummer"/>
           <p:cNvSpPr txBox="1"/>
           <p:nvPr>
             <p:ph type="sldNum" sz="quarter" idx="2"/>
@@ -8428,8 +9420,8 @@
         </p:nvSpPr>
         <p:spPr>
           <a:xfrm>
-            <a:off x="12715608" y="12810926"/>
-            <a:ext cx="381534" cy="625476"/>
+            <a:off x="12761364" y="12823626"/>
+            <a:ext cx="367412" cy="600076"/>
           </a:xfrm>
           <a:prstGeom prst="rect">
             <a:avLst/>
@@ -8451,7 +9443,7 @@
       </p:sp>
       <p:pic>
         <p:nvPicPr>
-          <p:cNvPr id="206" name="Bild" descr="Bild"/>
+          <p:cNvPr id="205" name="Bild" descr="Bild"/>
           <p:cNvPicPr>
             <a:picLocks noChangeAspect="1"/>
           </p:cNvPicPr>
@@ -8467,8 +9459,8 @@
         </p:blipFill>
         <p:spPr>
           <a:xfrm>
-            <a:off x="539671" y="4423610"/>
-            <a:ext cx="11457384" cy="6755083"/>
+            <a:off x="2082624" y="1028810"/>
+            <a:ext cx="20218752" cy="11373047"/>
           </a:xfrm>
           <a:prstGeom prst="rect">
             <a:avLst/>
@@ -8480,107 +9472,14 @@
       </p:pic>
       <p:sp>
         <p:nvSpPr>
-          <p:cNvPr id="207" name="Rechteck"/>
-          <p:cNvSpPr/>
-          <p:nvPr/>
-        </p:nvSpPr>
-        <p:spPr>
-          <a:xfrm>
-            <a:off x="5390241" y="4385626"/>
-            <a:ext cx="2147250" cy="491351"/>
-          </a:xfrm>
-          <a:prstGeom prst="rect">
-            <a:avLst/>
-          </a:prstGeom>
-          <a:solidFill>
-            <a:srgbClr val="FFFFFF"/>
-          </a:solidFill>
-          <a:ln w="12700">
-            <a:miter lim="400000"/>
-          </a:ln>
-        </p:spPr>
-        <p:txBody>
-          <a:bodyPr lIns="71437" tIns="71437" rIns="71437" bIns="71437" anchor="ctr"/>
-          <a:lstStyle/>
-          <a:p>
-            <a:pPr>
-              <a:defRPr sz="3200"/>
-            </a:pPr>
-          </a:p>
-        </p:txBody>
-      </p:sp>
-      <p:sp>
-        <p:nvSpPr>
-          <p:cNvPr id="208" name="Rechteck"/>
-          <p:cNvSpPr/>
-          <p:nvPr/>
-        </p:nvSpPr>
-        <p:spPr>
-          <a:xfrm>
-            <a:off x="9684429" y="10595926"/>
-            <a:ext cx="2147249" cy="491351"/>
-          </a:xfrm>
-          <a:prstGeom prst="rect">
-            <a:avLst/>
-          </a:prstGeom>
-          <a:solidFill>
-            <a:srgbClr val="FFFFFF"/>
-          </a:solidFill>
-          <a:ln w="12700">
-            <a:miter lim="400000"/>
-          </a:ln>
-        </p:spPr>
-        <p:txBody>
-          <a:bodyPr lIns="71437" tIns="71437" rIns="71437" bIns="71437" anchor="ctr"/>
-          <a:lstStyle/>
-          <a:p>
-            <a:pPr>
-              <a:defRPr sz="3200"/>
-            </a:pPr>
-          </a:p>
-        </p:txBody>
-      </p:sp>
-      <p:sp>
-        <p:nvSpPr>
-          <p:cNvPr id="209" name="Rechteck"/>
-          <p:cNvSpPr/>
-          <p:nvPr/>
-        </p:nvSpPr>
-        <p:spPr>
-          <a:xfrm>
-            <a:off x="786491" y="10595926"/>
-            <a:ext cx="2147250" cy="491351"/>
-          </a:xfrm>
-          <a:prstGeom prst="rect">
-            <a:avLst/>
-          </a:prstGeom>
-          <a:solidFill>
-            <a:srgbClr val="FFFFFF"/>
-          </a:solidFill>
-          <a:ln w="12700">
-            <a:miter lim="400000"/>
-          </a:ln>
-        </p:spPr>
-        <p:txBody>
-          <a:bodyPr lIns="71437" tIns="71437" rIns="71437" bIns="71437" anchor="ctr"/>
-          <a:lstStyle/>
-          <a:p>
-            <a:pPr>
-              <a:defRPr sz="3200"/>
-            </a:pPr>
-          </a:p>
-        </p:txBody>
-      </p:sp>
-      <p:sp>
-        <p:nvSpPr>
-          <p:cNvPr id="210" name="realistisch"/>
+          <p:cNvPr id="206" name="Lokalisierte virtuelle Schallquellen für Audioszene 2 (Wolfsheulen)"/>
           <p:cNvSpPr txBox="1"/>
           <p:nvPr/>
         </p:nvSpPr>
         <p:spPr>
           <a:xfrm>
-            <a:off x="9890143" y="10569294"/>
-            <a:ext cx="2319072" cy="727076"/>
+            <a:off x="2809557" y="-74249"/>
+            <a:ext cx="18764886" cy="904876"/>
           </a:xfrm>
           <a:prstGeom prst="rect">
             <a:avLst/>
@@ -8598,548 +9497,12 @@
           <a:bodyPr wrap="none" lIns="71437" tIns="71437" rIns="71437" bIns="71437" anchor="ctr">
             <a:spAutoFit/>
           </a:bodyPr>
-          <a:lstStyle>
-            <a:lvl1pPr>
-              <a:defRPr sz="3800"/>
-            </a:lvl1pPr>
-          </a:lstStyle>
-          <a:p>
-            <a:pPr/>
-            <a:r>
-              <a:t>realistisch</a:t>
-            </a:r>
-          </a:p>
-        </p:txBody>
-      </p:sp>
-      <p:sp>
-        <p:nvSpPr>
-          <p:cNvPr id="211" name="unrealistisch"/>
-          <p:cNvSpPr txBox="1"/>
-          <p:nvPr/>
-        </p:nvSpPr>
-        <p:spPr>
-          <a:xfrm>
-            <a:off x="153968" y="10569294"/>
-            <a:ext cx="2855723" cy="727076"/>
-          </a:xfrm>
-          <a:prstGeom prst="rect">
-            <a:avLst/>
-          </a:prstGeom>
-          <a:ln w="12700">
-            <a:miter lim="400000"/>
-          </a:ln>
-          <a:extLst>
-            <a:ext uri="{C572A759-6A51-4108-AA02-DFA0A04FC94B}">
-              <ma14:wrappingTextBoxFlag xmlns:ma14="http://schemas.microsoft.com/office/mac/drawingml/2011/main" val="1"/>
-            </a:ext>
-          </a:extLst>
-        </p:spPr>
-        <p:txBody>
-          <a:bodyPr wrap="none" lIns="71437" tIns="71437" rIns="71437" bIns="71437" anchor="ctr">
-            <a:spAutoFit/>
-          </a:bodyPr>
-          <a:lstStyle>
-            <a:lvl1pPr>
-              <a:defRPr sz="3800"/>
-            </a:lvl1pPr>
-          </a:lstStyle>
-          <a:p>
-            <a:pPr/>
-            <a:r>
-              <a:t>unrealistisch</a:t>
-            </a:r>
-          </a:p>
-        </p:txBody>
-      </p:sp>
-      <p:sp>
-        <p:nvSpPr>
-          <p:cNvPr id="212" name="Wie realistisch wirkt das Geräusch?"/>
-          <p:cNvSpPr txBox="1"/>
-          <p:nvPr/>
-        </p:nvSpPr>
-        <p:spPr>
-          <a:xfrm>
-            <a:off x="2488359" y="4257405"/>
-            <a:ext cx="7951014" cy="727076"/>
-          </a:xfrm>
-          <a:prstGeom prst="rect">
-            <a:avLst/>
-          </a:prstGeom>
-          <a:ln w="12700">
-            <a:miter lim="400000"/>
-          </a:ln>
-          <a:extLst>
-            <a:ext uri="{C572A759-6A51-4108-AA02-DFA0A04FC94B}">
-              <ma14:wrappingTextBoxFlag xmlns:ma14="http://schemas.microsoft.com/office/mac/drawingml/2011/main" val="1"/>
-            </a:ext>
-          </a:extLst>
-        </p:spPr>
-        <p:txBody>
-          <a:bodyPr wrap="none" lIns="71437" tIns="71437" rIns="71437" bIns="71437" anchor="ctr">
-            <a:spAutoFit/>
-          </a:bodyPr>
-          <a:lstStyle>
-            <a:lvl1pPr>
-              <a:defRPr sz="3800"/>
-            </a:lvl1pPr>
-          </a:lstStyle>
-          <a:p>
-            <a:pPr/>
-            <a:r>
-              <a:t>Wie realistisch wirkt das Geräusch? </a:t>
-            </a:r>
-          </a:p>
-        </p:txBody>
-      </p:sp>
-      <p:grpSp>
-        <p:nvGrpSpPr>
-          <p:cNvPr id="222" name="Gruppieren"/>
-          <p:cNvGrpSpPr/>
-          <p:nvPr/>
-        </p:nvGrpSpPr>
-        <p:grpSpPr>
-          <a:xfrm>
-            <a:off x="12383744" y="4114641"/>
-            <a:ext cx="11846288" cy="7186371"/>
-            <a:chOff x="0" y="0"/>
-            <a:chExt cx="11846286" cy="7186370"/>
-          </a:xfrm>
-        </p:grpSpPr>
-        <p:grpSp>
-          <p:nvGrpSpPr>
-            <p:cNvPr id="218" name="Gruppieren"/>
-            <p:cNvGrpSpPr/>
-            <p:nvPr/>
-          </p:nvGrpSpPr>
-          <p:grpSpPr>
-            <a:xfrm>
-              <a:off x="0" y="0"/>
-              <a:ext cx="11544718" cy="7186371"/>
-              <a:chOff x="0" y="0"/>
-              <a:chExt cx="11544717" cy="7186370"/>
-            </a:xfrm>
-          </p:grpSpPr>
-          <p:grpSp>
-            <p:nvGrpSpPr>
-              <p:cNvPr id="216" name="Gruppieren"/>
-              <p:cNvGrpSpPr/>
-              <p:nvPr/>
-            </p:nvGrpSpPr>
-            <p:grpSpPr>
-              <a:xfrm>
-                <a:off x="0" y="227998"/>
-                <a:ext cx="11544718" cy="6958373"/>
-                <a:chOff x="0" y="0"/>
-                <a:chExt cx="11544717" cy="6958372"/>
-              </a:xfrm>
-            </p:grpSpPr>
-            <p:pic>
-              <p:nvPicPr>
-                <p:cNvPr id="213" name="Bild" descr="Bild"/>
-                <p:cNvPicPr>
-                  <a:picLocks noChangeAspect="1"/>
-                </p:cNvPicPr>
-                <p:nvPr/>
-              </p:nvPicPr>
-              <p:blipFill>
-                <a:blip r:embed="rId4">
-                  <a:extLst/>
-                </a:blip>
-                <a:stretch>
-                  <a:fillRect/>
-                </a:stretch>
-              </p:blipFill>
-              <p:spPr>
-                <a:xfrm>
-                  <a:off x="0" y="0"/>
-                  <a:ext cx="11544718" cy="6806574"/>
-                </a:xfrm>
-                <a:prstGeom prst="rect">
-                  <a:avLst/>
-                </a:prstGeom>
-                <a:ln w="12700" cap="flat">
-                  <a:noFill/>
-                  <a:miter lim="400000"/>
-                </a:ln>
-                <a:effectLst/>
-              </p:spPr>
-            </p:pic>
-            <p:sp>
-              <p:nvSpPr>
-                <p:cNvPr id="214" name="Rechteck"/>
-                <p:cNvSpPr/>
-                <p:nvPr/>
-              </p:nvSpPr>
-              <p:spPr>
-                <a:xfrm>
-                  <a:off x="345509" y="6222014"/>
-                  <a:ext cx="2303984" cy="736359"/>
-                </a:xfrm>
-                <a:prstGeom prst="rect">
-                  <a:avLst/>
-                </a:prstGeom>
-                <a:solidFill>
-                  <a:srgbClr val="FFFFFF"/>
-                </a:solidFill>
-                <a:ln w="12700" cap="flat">
-                  <a:noFill/>
-                  <a:miter lim="400000"/>
-                </a:ln>
-                <a:effectLst/>
-              </p:spPr>
-              <p:txBody>
-                <a:bodyPr wrap="square" lIns="71437" tIns="71437" rIns="71437" bIns="71437" numCol="1" anchor="ctr">
-                  <a:noAutofit/>
-                </a:bodyPr>
-                <a:lstStyle/>
-                <a:p>
-                  <a:pPr>
-                    <a:defRPr sz="3200"/>
-                  </a:pPr>
-                </a:p>
-              </p:txBody>
-            </p:sp>
-            <p:sp>
-              <p:nvSpPr>
-                <p:cNvPr id="215" name="Rechteck"/>
-                <p:cNvSpPr/>
-                <p:nvPr/>
-              </p:nvSpPr>
-              <p:spPr>
-                <a:xfrm>
-                  <a:off x="9211696" y="6222014"/>
-                  <a:ext cx="2303985" cy="736359"/>
-                </a:xfrm>
-                <a:prstGeom prst="rect">
-                  <a:avLst/>
-                </a:prstGeom>
-                <a:solidFill>
-                  <a:srgbClr val="FFFFFF"/>
-                </a:solidFill>
-                <a:ln w="12700" cap="flat">
-                  <a:noFill/>
-                  <a:miter lim="400000"/>
-                </a:ln>
-                <a:effectLst/>
-              </p:spPr>
-              <p:txBody>
-                <a:bodyPr wrap="square" lIns="71437" tIns="71437" rIns="71437" bIns="71437" numCol="1" anchor="ctr">
-                  <a:noAutofit/>
-                </a:bodyPr>
-                <a:lstStyle/>
-                <a:p>
-                  <a:pPr>
-                    <a:defRPr sz="3200"/>
-                  </a:pPr>
-                </a:p>
-              </p:txBody>
-            </p:sp>
-          </p:grpSp>
-          <p:sp>
-            <p:nvSpPr>
-              <p:cNvPr id="217" name="Rechteck"/>
-              <p:cNvSpPr/>
-              <p:nvPr/>
-            </p:nvSpPr>
-            <p:spPr>
-              <a:xfrm>
-                <a:off x="4620367" y="0"/>
-                <a:ext cx="2620170" cy="736359"/>
-              </a:xfrm>
-              <a:prstGeom prst="rect">
-                <a:avLst/>
-              </a:prstGeom>
-              <a:solidFill>
-                <a:srgbClr val="FFFFFF"/>
-              </a:solidFill>
-              <a:ln w="12700" cap="flat">
-                <a:noFill/>
-                <a:miter lim="400000"/>
-              </a:ln>
-              <a:effectLst/>
-            </p:spPr>
-            <p:txBody>
-              <a:bodyPr wrap="square" lIns="71437" tIns="71437" rIns="71437" bIns="71437" numCol="1" anchor="ctr">
-                <a:noAutofit/>
-              </a:bodyPr>
-              <a:lstStyle/>
-              <a:p>
-                <a:pPr>
-                  <a:defRPr sz="3200"/>
-                </a:pPr>
-              </a:p>
-            </p:txBody>
-          </p:sp>
-        </p:grpSp>
-        <p:sp>
-          <p:nvSpPr>
-            <p:cNvPr id="219" name="Wie unheimlich wirkt die Darbietung?"/>
-            <p:cNvSpPr txBox="1"/>
-            <p:nvPr/>
-          </p:nvSpPr>
-          <p:spPr>
-            <a:xfrm>
-              <a:off x="1631803" y="80841"/>
-              <a:ext cx="8281113" cy="727076"/>
-            </a:xfrm>
-            <a:prstGeom prst="rect">
-              <a:avLst/>
-            </a:prstGeom>
-            <a:noFill/>
-            <a:ln w="12700" cap="flat">
-              <a:noFill/>
-              <a:miter lim="400000"/>
-            </a:ln>
-            <a:effectLst/>
-            <a:extLst>
-              <a:ext uri="{C572A759-6A51-4108-AA02-DFA0A04FC94B}">
-                <ma14:wrappingTextBoxFlag xmlns:ma14="http://schemas.microsoft.com/office/mac/drawingml/2011/main" val="1"/>
-              </a:ext>
-            </a:extLst>
-          </p:spPr>
-          <p:txBody>
-            <a:bodyPr wrap="none" lIns="71437" tIns="71437" rIns="71437" bIns="71437" numCol="1" anchor="ctr">
-              <a:spAutoFit/>
-            </a:bodyPr>
-            <a:lstStyle>
-              <a:lvl1pPr>
-                <a:defRPr sz="3800"/>
-              </a:lvl1pPr>
-            </a:lstStyle>
-            <a:p>
-              <a:pPr/>
-              <a:r>
-                <a:t>Wie unheimlich wirkt die Darbietung? </a:t>
-              </a:r>
-            </a:p>
-          </p:txBody>
-        </p:sp>
-        <p:sp>
-          <p:nvSpPr>
-            <p:cNvPr id="220" name="unheimlich"/>
-            <p:cNvSpPr txBox="1"/>
-            <p:nvPr/>
-          </p:nvSpPr>
-          <p:spPr>
-            <a:xfrm>
-              <a:off x="9357340" y="6454654"/>
-              <a:ext cx="2488947" cy="727076"/>
-            </a:xfrm>
-            <a:prstGeom prst="rect">
-              <a:avLst/>
-            </a:prstGeom>
-            <a:noFill/>
-            <a:ln w="12700" cap="flat">
-              <a:noFill/>
-              <a:miter lim="400000"/>
-            </a:ln>
-            <a:effectLst/>
-            <a:extLst>
-              <a:ext uri="{C572A759-6A51-4108-AA02-DFA0A04FC94B}">
-                <ma14:wrappingTextBoxFlag xmlns:ma14="http://schemas.microsoft.com/office/mac/drawingml/2011/main" val="1"/>
-              </a:ext>
-            </a:extLst>
-          </p:spPr>
-          <p:txBody>
-            <a:bodyPr wrap="none" lIns="71437" tIns="71437" rIns="71437" bIns="71437" numCol="1" anchor="ctr">
-              <a:spAutoFit/>
-            </a:bodyPr>
-            <a:lstStyle>
-              <a:lvl1pPr>
-                <a:defRPr sz="3800"/>
-              </a:lvl1pPr>
-            </a:lstStyle>
-            <a:p>
-              <a:pPr/>
-              <a:r>
-                <a:t>unheimlich</a:t>
-              </a:r>
-            </a:p>
-          </p:txBody>
-        </p:sp>
-        <p:sp>
-          <p:nvSpPr>
-            <p:cNvPr id="221" name="angenehm"/>
-            <p:cNvSpPr txBox="1"/>
-            <p:nvPr/>
-          </p:nvSpPr>
-          <p:spPr>
-            <a:xfrm>
-              <a:off x="353611" y="6454654"/>
-              <a:ext cx="2462404" cy="727076"/>
-            </a:xfrm>
-            <a:prstGeom prst="rect">
-              <a:avLst/>
-            </a:prstGeom>
-            <a:noFill/>
-            <a:ln w="12700" cap="flat">
-              <a:noFill/>
-              <a:miter lim="400000"/>
-            </a:ln>
-            <a:effectLst/>
-            <a:extLst>
-              <a:ext uri="{C572A759-6A51-4108-AA02-DFA0A04FC94B}">
-                <ma14:wrappingTextBoxFlag xmlns:ma14="http://schemas.microsoft.com/office/mac/drawingml/2011/main" val="1"/>
-              </a:ext>
-            </a:extLst>
-          </p:spPr>
-          <p:txBody>
-            <a:bodyPr wrap="none" lIns="71437" tIns="71437" rIns="71437" bIns="71437" numCol="1" anchor="ctr">
-              <a:spAutoFit/>
-            </a:bodyPr>
-            <a:lstStyle>
-              <a:lvl1pPr>
-                <a:defRPr sz="3800"/>
-              </a:lvl1pPr>
-            </a:lstStyle>
-            <a:p>
-              <a:pPr/>
-              <a:r>
-                <a:t>angenehm</a:t>
-              </a:r>
-            </a:p>
-          </p:txBody>
-        </p:sp>
-      </p:grpSp>
-      <p:sp>
-        <p:nvSpPr>
-          <p:cNvPr id="223" name="absolute Häufigkeit"/>
-          <p:cNvSpPr txBox="1"/>
-          <p:nvPr/>
-        </p:nvSpPr>
-        <p:spPr>
-          <a:xfrm rot="16200000">
-            <a:off x="11361952" y="7037368"/>
-            <a:ext cx="3875102" cy="663576"/>
-          </a:xfrm>
-          <a:prstGeom prst="rect">
-            <a:avLst/>
-          </a:prstGeom>
-          <a:ln w="12700">
-            <a:miter lim="400000"/>
-          </a:ln>
-          <a:extLst>
-            <a:ext uri="{C572A759-6A51-4108-AA02-DFA0A04FC94B}">
-              <ma14:wrappingTextBoxFlag xmlns:ma14="http://schemas.microsoft.com/office/mac/drawingml/2011/main" val="1"/>
-            </a:ext>
-          </a:extLst>
-        </p:spPr>
-        <p:txBody>
-          <a:bodyPr wrap="none" lIns="71437" tIns="71437" rIns="71437" bIns="71437" anchor="ctr">
-            <a:spAutoFit/>
-          </a:bodyPr>
-          <a:lstStyle>
-            <a:lvl1pPr>
-              <a:defRPr sz="3400"/>
-            </a:lvl1pPr>
-          </a:lstStyle>
-          <a:p>
-            <a:pPr/>
-            <a:r>
-              <a:t>absolute Häufigkeit</a:t>
-            </a:r>
-          </a:p>
-        </p:txBody>
-      </p:sp>
-      <p:sp>
-        <p:nvSpPr>
-          <p:cNvPr id="224" name="absolute Häufigkeit"/>
-          <p:cNvSpPr txBox="1"/>
-          <p:nvPr/>
-        </p:nvSpPr>
-        <p:spPr>
-          <a:xfrm rot="16200000">
-            <a:off x="-494799" y="7363338"/>
-            <a:ext cx="3875101" cy="663576"/>
-          </a:xfrm>
-          <a:prstGeom prst="rect">
-            <a:avLst/>
-          </a:prstGeom>
-          <a:ln w="12700">
-            <a:miter lim="400000"/>
-          </a:ln>
-          <a:extLst>
-            <a:ext uri="{C572A759-6A51-4108-AA02-DFA0A04FC94B}">
-              <ma14:wrappingTextBoxFlag xmlns:ma14="http://schemas.microsoft.com/office/mac/drawingml/2011/main" val="1"/>
-            </a:ext>
-          </a:extLst>
-        </p:spPr>
-        <p:txBody>
-          <a:bodyPr wrap="none" lIns="71437" tIns="71437" rIns="71437" bIns="71437" anchor="ctr">
-            <a:spAutoFit/>
-          </a:bodyPr>
-          <a:lstStyle>
-            <a:lvl1pPr>
-              <a:defRPr sz="3400"/>
-            </a:lvl1pPr>
-          </a:lstStyle>
-          <a:p>
-            <a:pPr/>
-            <a:r>
-              <a:t>absolute Häufigkeit</a:t>
-            </a:r>
-          </a:p>
-        </p:txBody>
-      </p:sp>
-      <p:sp>
-        <p:nvSpPr>
-          <p:cNvPr id="225" name="Rechteck"/>
-          <p:cNvSpPr/>
-          <p:nvPr/>
-        </p:nvSpPr>
-        <p:spPr>
-          <a:xfrm>
-            <a:off x="13607499" y="5343786"/>
-            <a:ext cx="259560" cy="4050739"/>
-          </a:xfrm>
-          <a:prstGeom prst="rect">
-            <a:avLst/>
-          </a:prstGeom>
-          <a:solidFill>
-            <a:srgbClr val="FFFFFF"/>
-          </a:solidFill>
-          <a:ln w="12700">
-            <a:miter lim="400000"/>
-          </a:ln>
-        </p:spPr>
-        <p:txBody>
-          <a:bodyPr lIns="71437" tIns="71437" rIns="71437" bIns="71437" anchor="ctr"/>
           <a:lstStyle/>
           <a:p>
-            <a:pPr>
-              <a:defRPr sz="3200"/>
-            </a:pPr>
-          </a:p>
-        </p:txBody>
-      </p:sp>
-      <p:sp>
-        <p:nvSpPr>
-          <p:cNvPr id="226" name="Rechteck"/>
-          <p:cNvSpPr/>
-          <p:nvPr/>
-        </p:nvSpPr>
-        <p:spPr>
-          <a:xfrm>
-            <a:off x="1665555" y="5343786"/>
-            <a:ext cx="259560" cy="4050739"/>
-          </a:xfrm>
-          <a:prstGeom prst="rect">
-            <a:avLst/>
-          </a:prstGeom>
-          <a:solidFill>
-            <a:srgbClr val="FFFFFF"/>
-          </a:solidFill>
-          <a:ln w="12700">
-            <a:miter lim="400000"/>
-          </a:ln>
-        </p:spPr>
-        <p:txBody>
-          <a:bodyPr lIns="71437" tIns="71437" rIns="71437" bIns="71437" anchor="ctr"/>
-          <a:lstStyle/>
-          <a:p>
-            <a:pPr>
-              <a:defRPr sz="3200"/>
-            </a:pPr>
+            <a:pPr/>
+            <a:r>
+              <a:t>Lokalisierte virtuelle Schallquellen für Audioszene 2 (Wolfsheulen)</a:t>
+            </a:r>
           </a:p>
         </p:txBody>
       </p:sp>
